--- a/lectures/01-Intro.pptx
+++ b/lectures/01-Intro.pptx
@@ -143,1565 +143,12 @@
     <p1510:client id="{67DEF145-38C9-4FCC-B336-31A29C54DC1D}" v="73" dt="2022-08-22T13:41:06.961"/>
     <p1510:client id="{8644706C-15E5-4AE9-BF86-0589D34712D6}" v="179" dt="2022-08-11T19:06:18.745"/>
     <p1510:client id="{98970ECB-6E1A-4511-AC1B-A61F29E989CF}" v="3412" dt="2022-06-29T04:56:45.671"/>
+    <p1510:client id="{9DBD1AC1-3CA2-4FE5-B43F-A653B7D89662}" v="17" dt="2022-08-22T21:55:29.888"/>
     <p1510:client id="{C64F8429-443E-4BC5-A3F1-5AC8E5BB145F}" v="11" dt="2022-06-29T05:02:26.005"/>
     <p1510:client id="{E1FFCA9D-0ABE-4E01-99CE-A99218C512E8}" v="96" dt="2022-08-19T00:43:04.050"/>
     <p1510:client id="{E3117403-4333-40F8-ADB5-ABEB50A9F87E}" v="43" dt="2022-06-30T18:41:44.117"/>
   </p1510:revLst>
 </p1510:revInfo>
-</file>
-
-<file path=ppt/changesInfos/changesInfo1.xml><?xml version="1.0" encoding="utf-8"?>
-<pc:chgInfo xmlns:a="http://schemas.openxmlformats.org/drawingml/2006/main" xmlns:r="http://schemas.openxmlformats.org/officeDocument/2006/relationships" xmlns:ac="http://schemas.microsoft.com/office/drawing/2013/main/command" xmlns:pc="http://schemas.microsoft.com/office/powerpoint/2013/main/command">
-  <pc:docChgLst>
-    <pc:chgData name="JD Kilgallin" userId="e8d7d97525d46f8a" providerId="Windows Live" clId="Web-{98970ECB-6E1A-4511-AC1B-A61F29E989CF}"/>
-    <pc:docChg chg="addSld modSld">
-      <pc:chgData name="JD Kilgallin" userId="e8d7d97525d46f8a" providerId="Windows Live" clId="Web-{98970ECB-6E1A-4511-AC1B-A61F29E989CF}" dt="2022-06-29T04:56:45.671" v="3379" actId="20577"/>
-      <pc:docMkLst>
-        <pc:docMk/>
-      </pc:docMkLst>
-      <pc:sldChg chg="modSp">
-        <pc:chgData name="JD Kilgallin" userId="e8d7d97525d46f8a" providerId="Windows Live" clId="Web-{98970ECB-6E1A-4511-AC1B-A61F29E989CF}" dt="2022-06-29T04:17:05.251" v="2515" actId="20577"/>
-        <pc:sldMkLst>
-          <pc:docMk/>
-          <pc:sldMk cId="109857222" sldId="256"/>
-        </pc:sldMkLst>
-        <pc:spChg chg="mod">
-          <ac:chgData name="JD Kilgallin" userId="e8d7d97525d46f8a" providerId="Windows Live" clId="Web-{98970ECB-6E1A-4511-AC1B-A61F29E989CF}" dt="2022-06-29T04:16:52.454" v="2508" actId="20577"/>
-          <ac:spMkLst>
-            <pc:docMk/>
-            <pc:sldMk cId="109857222" sldId="256"/>
-            <ac:spMk id="2" creationId="{00000000-0000-0000-0000-000000000000}"/>
-          </ac:spMkLst>
-        </pc:spChg>
-        <pc:spChg chg="mod">
-          <ac:chgData name="JD Kilgallin" userId="e8d7d97525d46f8a" providerId="Windows Live" clId="Web-{98970ECB-6E1A-4511-AC1B-A61F29E989CF}" dt="2022-06-29T04:17:05.251" v="2515" actId="20577"/>
-          <ac:spMkLst>
-            <pc:docMk/>
-            <pc:sldMk cId="109857222" sldId="256"/>
-            <ac:spMk id="3" creationId="{00000000-0000-0000-0000-000000000000}"/>
-          </ac:spMkLst>
-        </pc:spChg>
-      </pc:sldChg>
-      <pc:sldChg chg="modSp new">
-        <pc:chgData name="JD Kilgallin" userId="e8d7d97525d46f8a" providerId="Windows Live" clId="Web-{98970ECB-6E1A-4511-AC1B-A61F29E989CF}" dt="2022-06-29T04:18:02.204" v="2518" actId="20577"/>
-        <pc:sldMkLst>
-          <pc:docMk/>
-          <pc:sldMk cId="182976062" sldId="257"/>
-        </pc:sldMkLst>
-        <pc:spChg chg="mod">
-          <ac:chgData name="JD Kilgallin" userId="e8d7d97525d46f8a" providerId="Windows Live" clId="Web-{98970ECB-6E1A-4511-AC1B-A61F29E989CF}" dt="2022-06-29T04:18:02.204" v="2518" actId="20577"/>
-          <ac:spMkLst>
-            <pc:docMk/>
-            <pc:sldMk cId="182976062" sldId="257"/>
-            <ac:spMk id="2" creationId="{151A1462-B731-9B66-091D-EF5A0BC35030}"/>
-          </ac:spMkLst>
-        </pc:spChg>
-        <pc:spChg chg="mod">
-          <ac:chgData name="JD Kilgallin" userId="e8d7d97525d46f8a" providerId="Windows Live" clId="Web-{98970ECB-6E1A-4511-AC1B-A61F29E989CF}" dt="2022-06-29T04:16:49.579" v="2507" actId="20577"/>
-          <ac:spMkLst>
-            <pc:docMk/>
-            <pc:sldMk cId="182976062" sldId="257"/>
-            <ac:spMk id="3" creationId="{A2C2E077-763A-27F7-A7DD-ACF11FB23A70}"/>
-          </ac:spMkLst>
-        </pc:spChg>
-      </pc:sldChg>
-      <pc:sldChg chg="modSp new">
-        <pc:chgData name="JD Kilgallin" userId="e8d7d97525d46f8a" providerId="Windows Live" clId="Web-{98970ECB-6E1A-4511-AC1B-A61F29E989CF}" dt="2022-06-29T04:54:00.529" v="3369" actId="20577"/>
-        <pc:sldMkLst>
-          <pc:docMk/>
-          <pc:sldMk cId="2926063405" sldId="258"/>
-        </pc:sldMkLst>
-        <pc:spChg chg="mod">
-          <ac:chgData name="JD Kilgallin" userId="e8d7d97525d46f8a" providerId="Windows Live" clId="Web-{98970ECB-6E1A-4511-AC1B-A61F29E989CF}" dt="2022-06-29T04:20:44.409" v="2542" actId="20577"/>
-          <ac:spMkLst>
-            <pc:docMk/>
-            <pc:sldMk cId="2926063405" sldId="258"/>
-            <ac:spMk id="2" creationId="{71B6EF1C-7769-150D-CAAF-5353CB52F3C9}"/>
-          </ac:spMkLst>
-        </pc:spChg>
-        <pc:spChg chg="mod">
-          <ac:chgData name="JD Kilgallin" userId="e8d7d97525d46f8a" providerId="Windows Live" clId="Web-{98970ECB-6E1A-4511-AC1B-A61F29E989CF}" dt="2022-06-29T04:54:00.529" v="3369" actId="20577"/>
-          <ac:spMkLst>
-            <pc:docMk/>
-            <pc:sldMk cId="2926063405" sldId="258"/>
-            <ac:spMk id="3" creationId="{EE552A32-3A50-8A05-BAA0-A6178905DFA5}"/>
-          </ac:spMkLst>
-        </pc:spChg>
-      </pc:sldChg>
-      <pc:sldChg chg="modSp new">
-        <pc:chgData name="JD Kilgallin" userId="e8d7d97525d46f8a" providerId="Windows Live" clId="Web-{98970ECB-6E1A-4511-AC1B-A61F29E989CF}" dt="2022-06-29T04:35:25.320" v="3074" actId="20577"/>
-        <pc:sldMkLst>
-          <pc:docMk/>
-          <pc:sldMk cId="2121453350" sldId="259"/>
-        </pc:sldMkLst>
-        <pc:spChg chg="mod">
-          <ac:chgData name="JD Kilgallin" userId="e8d7d97525d46f8a" providerId="Windows Live" clId="Web-{98970ECB-6E1A-4511-AC1B-A61F29E989CF}" dt="2022-06-29T04:18:07.236" v="2519" actId="20577"/>
-          <ac:spMkLst>
-            <pc:docMk/>
-            <pc:sldMk cId="2121453350" sldId="259"/>
-            <ac:spMk id="2" creationId="{AAC88EC9-1A97-A6EA-AA99-F26D71E65932}"/>
-          </ac:spMkLst>
-        </pc:spChg>
-        <pc:spChg chg="mod">
-          <ac:chgData name="JD Kilgallin" userId="e8d7d97525d46f8a" providerId="Windows Live" clId="Web-{98970ECB-6E1A-4511-AC1B-A61F29E989CF}" dt="2022-06-29T04:35:25.320" v="3074" actId="20577"/>
-          <ac:spMkLst>
-            <pc:docMk/>
-            <pc:sldMk cId="2121453350" sldId="259"/>
-            <ac:spMk id="3" creationId="{0F8FDCA6-FE04-102B-4A07-F6CD5C9C5F5E}"/>
-          </ac:spMkLst>
-        </pc:spChg>
-      </pc:sldChg>
-      <pc:sldChg chg="modSp new">
-        <pc:chgData name="JD Kilgallin" userId="e8d7d97525d46f8a" providerId="Windows Live" clId="Web-{98970ECB-6E1A-4511-AC1B-A61F29E989CF}" dt="2022-06-29T04:30:38.397" v="2934" actId="20577"/>
-        <pc:sldMkLst>
-          <pc:docMk/>
-          <pc:sldMk cId="4205639055" sldId="260"/>
-        </pc:sldMkLst>
-        <pc:spChg chg="mod">
-          <ac:chgData name="JD Kilgallin" userId="e8d7d97525d46f8a" providerId="Windows Live" clId="Web-{98970ECB-6E1A-4511-AC1B-A61F29E989CF}" dt="2022-06-29T04:18:12.423" v="2520" actId="20577"/>
-          <ac:spMkLst>
-            <pc:docMk/>
-            <pc:sldMk cId="4205639055" sldId="260"/>
-            <ac:spMk id="2" creationId="{1472A072-B9DC-1248-0CC3-7D549E2D8321}"/>
-          </ac:spMkLst>
-        </pc:spChg>
-        <pc:spChg chg="mod">
-          <ac:chgData name="JD Kilgallin" userId="e8d7d97525d46f8a" providerId="Windows Live" clId="Web-{98970ECB-6E1A-4511-AC1B-A61F29E989CF}" dt="2022-06-29T04:30:38.397" v="2934" actId="20577"/>
-          <ac:spMkLst>
-            <pc:docMk/>
-            <pc:sldMk cId="4205639055" sldId="260"/>
-            <ac:spMk id="3" creationId="{3A41149E-633F-DF85-6337-A619D3CCB866}"/>
-          </ac:spMkLst>
-        </pc:spChg>
-      </pc:sldChg>
-      <pc:sldChg chg="modSp new">
-        <pc:chgData name="JD Kilgallin" userId="e8d7d97525d46f8a" providerId="Windows Live" clId="Web-{98970ECB-6E1A-4511-AC1B-A61F29E989CF}" dt="2022-06-29T04:20:07.049" v="2535" actId="20577"/>
-        <pc:sldMkLst>
-          <pc:docMk/>
-          <pc:sldMk cId="1957119972" sldId="261"/>
-        </pc:sldMkLst>
-        <pc:spChg chg="mod">
-          <ac:chgData name="JD Kilgallin" userId="e8d7d97525d46f8a" providerId="Windows Live" clId="Web-{98970ECB-6E1A-4511-AC1B-A61F29E989CF}" dt="2022-06-29T04:20:07.049" v="2535" actId="20577"/>
-          <ac:spMkLst>
-            <pc:docMk/>
-            <pc:sldMk cId="1957119972" sldId="261"/>
-            <ac:spMk id="2" creationId="{78F61ECF-8A5C-963C-93A6-C2630332B667}"/>
-          </ac:spMkLst>
-        </pc:spChg>
-        <pc:spChg chg="mod">
-          <ac:chgData name="JD Kilgallin" userId="e8d7d97525d46f8a" providerId="Windows Live" clId="Web-{98970ECB-6E1A-4511-AC1B-A61F29E989CF}" dt="2022-06-29T02:34:09.318" v="940" actId="20577"/>
-          <ac:spMkLst>
-            <pc:docMk/>
-            <pc:sldMk cId="1957119972" sldId="261"/>
-            <ac:spMk id="3" creationId="{3BCB0BE9-C8CB-8899-407C-8302D85A08B6}"/>
-          </ac:spMkLst>
-        </pc:spChg>
-      </pc:sldChg>
-      <pc:sldChg chg="modSp new">
-        <pc:chgData name="JD Kilgallin" userId="e8d7d97525d46f8a" providerId="Windows Live" clId="Web-{98970ECB-6E1A-4511-AC1B-A61F29E989CF}" dt="2022-06-29T04:20:13.456" v="2536" actId="20577"/>
-        <pc:sldMkLst>
-          <pc:docMk/>
-          <pc:sldMk cId="4093243686" sldId="262"/>
-        </pc:sldMkLst>
-        <pc:spChg chg="mod">
-          <ac:chgData name="JD Kilgallin" userId="e8d7d97525d46f8a" providerId="Windows Live" clId="Web-{98970ECB-6E1A-4511-AC1B-A61F29E989CF}" dt="2022-06-29T04:20:13.456" v="2536" actId="20577"/>
-          <ac:spMkLst>
-            <pc:docMk/>
-            <pc:sldMk cId="4093243686" sldId="262"/>
-            <ac:spMk id="2" creationId="{EA702BEE-D012-50DE-9D64-C70F5576F6BD}"/>
-          </ac:spMkLst>
-        </pc:spChg>
-        <pc:spChg chg="mod">
-          <ac:chgData name="JD Kilgallin" userId="e8d7d97525d46f8a" providerId="Windows Live" clId="Web-{98970ECB-6E1A-4511-AC1B-A61F29E989CF}" dt="2022-06-29T02:52:42.980" v="1241" actId="20577"/>
-          <ac:spMkLst>
-            <pc:docMk/>
-            <pc:sldMk cId="4093243686" sldId="262"/>
-            <ac:spMk id="3" creationId="{61291957-5241-7497-DB2C-47BF542CD063}"/>
-          </ac:spMkLst>
-        </pc:spChg>
-      </pc:sldChg>
-      <pc:sldChg chg="modSp new">
-        <pc:chgData name="JD Kilgallin" userId="e8d7d97525d46f8a" providerId="Windows Live" clId="Web-{98970ECB-6E1A-4511-AC1B-A61F29E989CF}" dt="2022-06-29T04:20:19.643" v="2537" actId="20577"/>
-        <pc:sldMkLst>
-          <pc:docMk/>
-          <pc:sldMk cId="811013341" sldId="263"/>
-        </pc:sldMkLst>
-        <pc:spChg chg="mod">
-          <ac:chgData name="JD Kilgallin" userId="e8d7d97525d46f8a" providerId="Windows Live" clId="Web-{98970ECB-6E1A-4511-AC1B-A61F29E989CF}" dt="2022-06-29T04:20:19.643" v="2537" actId="20577"/>
-          <ac:spMkLst>
-            <pc:docMk/>
-            <pc:sldMk cId="811013341" sldId="263"/>
-            <ac:spMk id="2" creationId="{8825F1DB-7A1A-274A-3C15-16815D9A8F92}"/>
-          </ac:spMkLst>
-        </pc:spChg>
-        <pc:spChg chg="mod">
-          <ac:chgData name="JD Kilgallin" userId="e8d7d97525d46f8a" providerId="Windows Live" clId="Web-{98970ECB-6E1A-4511-AC1B-A61F29E989CF}" dt="2022-06-29T03:19:24.961" v="1586" actId="20577"/>
-          <ac:spMkLst>
-            <pc:docMk/>
-            <pc:sldMk cId="811013341" sldId="263"/>
-            <ac:spMk id="3" creationId="{25F6932B-7C84-5754-3A88-376632A05EE7}"/>
-          </ac:spMkLst>
-        </pc:spChg>
-      </pc:sldChg>
-      <pc:sldChg chg="modSp new">
-        <pc:chgData name="JD Kilgallin" userId="e8d7d97525d46f8a" providerId="Windows Live" clId="Web-{98970ECB-6E1A-4511-AC1B-A61F29E989CF}" dt="2022-06-29T04:20:23.925" v="2538" actId="20577"/>
-        <pc:sldMkLst>
-          <pc:docMk/>
-          <pc:sldMk cId="776020763" sldId="264"/>
-        </pc:sldMkLst>
-        <pc:spChg chg="mod">
-          <ac:chgData name="JD Kilgallin" userId="e8d7d97525d46f8a" providerId="Windows Live" clId="Web-{98970ECB-6E1A-4511-AC1B-A61F29E989CF}" dt="2022-06-29T04:20:23.925" v="2538" actId="20577"/>
-          <ac:spMkLst>
-            <pc:docMk/>
-            <pc:sldMk cId="776020763" sldId="264"/>
-            <ac:spMk id="2" creationId="{89A3C702-A8EA-704D-9A76-6BA4EB7DD044}"/>
-          </ac:spMkLst>
-        </pc:spChg>
-        <pc:spChg chg="mod">
-          <ac:chgData name="JD Kilgallin" userId="e8d7d97525d46f8a" providerId="Windows Live" clId="Web-{98970ECB-6E1A-4511-AC1B-A61F29E989CF}" dt="2022-06-29T02:56:40.185" v="1286" actId="20577"/>
-          <ac:spMkLst>
-            <pc:docMk/>
-            <pc:sldMk cId="776020763" sldId="264"/>
-            <ac:spMk id="3" creationId="{A85199CE-22EF-E244-2FC2-5705EA9FD3D9}"/>
-          </ac:spMkLst>
-        </pc:spChg>
-      </pc:sldChg>
-      <pc:sldChg chg="modSp new">
-        <pc:chgData name="JD Kilgallin" userId="e8d7d97525d46f8a" providerId="Windows Live" clId="Web-{98970ECB-6E1A-4511-AC1B-A61F29E989CF}" dt="2022-06-29T04:20:30.300" v="2539" actId="20577"/>
-        <pc:sldMkLst>
-          <pc:docMk/>
-          <pc:sldMk cId="3603234828" sldId="265"/>
-        </pc:sldMkLst>
-        <pc:spChg chg="mod">
-          <ac:chgData name="JD Kilgallin" userId="e8d7d97525d46f8a" providerId="Windows Live" clId="Web-{98970ECB-6E1A-4511-AC1B-A61F29E989CF}" dt="2022-06-29T04:20:30.300" v="2539" actId="20577"/>
-          <ac:spMkLst>
-            <pc:docMk/>
-            <pc:sldMk cId="3603234828" sldId="265"/>
-            <ac:spMk id="2" creationId="{CE3E63B6-9894-FB92-739E-F6D0DFABEDAA}"/>
-          </ac:spMkLst>
-        </pc:spChg>
-        <pc:spChg chg="mod">
-          <ac:chgData name="JD Kilgallin" userId="e8d7d97525d46f8a" providerId="Windows Live" clId="Web-{98970ECB-6E1A-4511-AC1B-A61F29E989CF}" dt="2022-06-29T02:42:33.040" v="1225" actId="20577"/>
-          <ac:spMkLst>
-            <pc:docMk/>
-            <pc:sldMk cId="3603234828" sldId="265"/>
-            <ac:spMk id="3" creationId="{99AE9084-DB9C-A629-08C9-EA5E63DD0C86}"/>
-          </ac:spMkLst>
-        </pc:spChg>
-      </pc:sldChg>
-      <pc:sldChg chg="modSp new">
-        <pc:chgData name="JD Kilgallin" userId="e8d7d97525d46f8a" providerId="Windows Live" clId="Web-{98970ECB-6E1A-4511-AC1B-A61F29E989CF}" dt="2022-06-29T04:46:12.073" v="3240" actId="20577"/>
-        <pc:sldMkLst>
-          <pc:docMk/>
-          <pc:sldMk cId="1817670063" sldId="266"/>
-        </pc:sldMkLst>
-        <pc:spChg chg="mod">
-          <ac:chgData name="JD Kilgallin" userId="e8d7d97525d46f8a" providerId="Windows Live" clId="Web-{98970ECB-6E1A-4511-AC1B-A61F29E989CF}" dt="2022-06-29T04:20:34.909" v="2540" actId="20577"/>
-          <ac:spMkLst>
-            <pc:docMk/>
-            <pc:sldMk cId="1817670063" sldId="266"/>
-            <ac:spMk id="2" creationId="{167055A6-5F52-219D-E9A3-C70D96B34A2F}"/>
-          </ac:spMkLst>
-        </pc:spChg>
-        <pc:spChg chg="mod">
-          <ac:chgData name="JD Kilgallin" userId="e8d7d97525d46f8a" providerId="Windows Live" clId="Web-{98970ECB-6E1A-4511-AC1B-A61F29E989CF}" dt="2022-06-29T04:46:12.073" v="3240" actId="20577"/>
-          <ac:spMkLst>
-            <pc:docMk/>
-            <pc:sldMk cId="1817670063" sldId="266"/>
-            <ac:spMk id="3" creationId="{EA1188D3-F3A0-F254-E98B-25A1E3584B64}"/>
-          </ac:spMkLst>
-        </pc:spChg>
-      </pc:sldChg>
-      <pc:sldChg chg="modSp new">
-        <pc:chgData name="JD Kilgallin" userId="e8d7d97525d46f8a" providerId="Windows Live" clId="Web-{98970ECB-6E1A-4511-AC1B-A61F29E989CF}" dt="2022-06-29T04:20:39.003" v="2541" actId="20577"/>
-        <pc:sldMkLst>
-          <pc:docMk/>
-          <pc:sldMk cId="2718096022" sldId="267"/>
-        </pc:sldMkLst>
-        <pc:spChg chg="mod">
-          <ac:chgData name="JD Kilgallin" userId="e8d7d97525d46f8a" providerId="Windows Live" clId="Web-{98970ECB-6E1A-4511-AC1B-A61F29E989CF}" dt="2022-06-29T04:20:39.003" v="2541" actId="20577"/>
-          <ac:spMkLst>
-            <pc:docMk/>
-            <pc:sldMk cId="2718096022" sldId="267"/>
-            <ac:spMk id="2" creationId="{1C3B438B-E90A-D083-5D6F-9CA63ABAA6A8}"/>
-          </ac:spMkLst>
-        </pc:spChg>
-        <pc:spChg chg="mod">
-          <ac:chgData name="JD Kilgallin" userId="e8d7d97525d46f8a" providerId="Windows Live" clId="Web-{98970ECB-6E1A-4511-AC1B-A61F29E989CF}" dt="2022-06-29T03:19:52.321" v="1600" actId="20577"/>
-          <ac:spMkLst>
-            <pc:docMk/>
-            <pc:sldMk cId="2718096022" sldId="267"/>
-            <ac:spMk id="3" creationId="{655CF555-E73E-1F98-4126-5A456008C481}"/>
-          </ac:spMkLst>
-        </pc:spChg>
-      </pc:sldChg>
-      <pc:sldChg chg="modSp new">
-        <pc:chgData name="JD Kilgallin" userId="e8d7d97525d46f8a" providerId="Windows Live" clId="Web-{98970ECB-6E1A-4511-AC1B-A61F29E989CF}" dt="2022-06-29T04:36:03.586" v="3083" actId="20577"/>
-        <pc:sldMkLst>
-          <pc:docMk/>
-          <pc:sldMk cId="2476474234" sldId="268"/>
-        </pc:sldMkLst>
-        <pc:spChg chg="mod">
-          <ac:chgData name="JD Kilgallin" userId="e8d7d97525d46f8a" providerId="Windows Live" clId="Web-{98970ECB-6E1A-4511-AC1B-A61F29E989CF}" dt="2022-06-29T04:20:51.643" v="2543" actId="20577"/>
-          <ac:spMkLst>
-            <pc:docMk/>
-            <pc:sldMk cId="2476474234" sldId="268"/>
-            <ac:spMk id="2" creationId="{8363A5AE-28D2-18B5-E371-FE2905ECF3F8}"/>
-          </ac:spMkLst>
-        </pc:spChg>
-        <pc:spChg chg="mod">
-          <ac:chgData name="JD Kilgallin" userId="e8d7d97525d46f8a" providerId="Windows Live" clId="Web-{98970ECB-6E1A-4511-AC1B-A61F29E989CF}" dt="2022-06-29T04:36:03.586" v="3083" actId="20577"/>
-          <ac:spMkLst>
-            <pc:docMk/>
-            <pc:sldMk cId="2476474234" sldId="268"/>
-            <ac:spMk id="3" creationId="{E11A6A22-1A45-5B71-A920-2E6E9C7D0482}"/>
-          </ac:spMkLst>
-        </pc:spChg>
-      </pc:sldChg>
-      <pc:sldChg chg="modSp new">
-        <pc:chgData name="JD Kilgallin" userId="e8d7d97525d46f8a" providerId="Windows Live" clId="Web-{98970ECB-6E1A-4511-AC1B-A61F29E989CF}" dt="2022-06-29T04:20:56.347" v="2544" actId="20577"/>
-        <pc:sldMkLst>
-          <pc:docMk/>
-          <pc:sldMk cId="1411998748" sldId="269"/>
-        </pc:sldMkLst>
-        <pc:spChg chg="mod">
-          <ac:chgData name="JD Kilgallin" userId="e8d7d97525d46f8a" providerId="Windows Live" clId="Web-{98970ECB-6E1A-4511-AC1B-A61F29E989CF}" dt="2022-06-29T04:20:56.347" v="2544" actId="20577"/>
-          <ac:spMkLst>
-            <pc:docMk/>
-            <pc:sldMk cId="1411998748" sldId="269"/>
-            <ac:spMk id="2" creationId="{0E6A16AE-FFB8-2F24-F57C-D46C72EE2F8D}"/>
-          </ac:spMkLst>
-        </pc:spChg>
-        <pc:spChg chg="mod">
-          <ac:chgData name="JD Kilgallin" userId="e8d7d97525d46f8a" providerId="Windows Live" clId="Web-{98970ECB-6E1A-4511-AC1B-A61F29E989CF}" dt="2022-06-29T04:19:44.830" v="2533" actId="20577"/>
-          <ac:spMkLst>
-            <pc:docMk/>
-            <pc:sldMk cId="1411998748" sldId="269"/>
-            <ac:spMk id="3" creationId="{5F4B859A-A9A9-7E87-EF7F-29145A6274F7}"/>
-          </ac:spMkLst>
-        </pc:spChg>
-      </pc:sldChg>
-      <pc:sldChg chg="modSp new">
-        <pc:chgData name="JD Kilgallin" userId="e8d7d97525d46f8a" providerId="Windows Live" clId="Web-{98970ECB-6E1A-4511-AC1B-A61F29E989CF}" dt="2022-06-29T04:56:45.671" v="3379" actId="20577"/>
-        <pc:sldMkLst>
-          <pc:docMk/>
-          <pc:sldMk cId="1756108763" sldId="270"/>
-        </pc:sldMkLst>
-        <pc:spChg chg="mod">
-          <ac:chgData name="JD Kilgallin" userId="e8d7d97525d46f8a" providerId="Windows Live" clId="Web-{98970ECB-6E1A-4511-AC1B-A61F29E989CF}" dt="2022-06-29T04:52:34.732" v="3358" actId="20577"/>
-          <ac:spMkLst>
-            <pc:docMk/>
-            <pc:sldMk cId="1756108763" sldId="270"/>
-            <ac:spMk id="2" creationId="{5D6AD00F-1768-B9C2-4C5B-145E404175E6}"/>
-          </ac:spMkLst>
-        </pc:spChg>
-        <pc:spChg chg="mod">
-          <ac:chgData name="JD Kilgallin" userId="e8d7d97525d46f8a" providerId="Windows Live" clId="Web-{98970ECB-6E1A-4511-AC1B-A61F29E989CF}" dt="2022-06-29T04:56:45.671" v="3379" actId="20577"/>
-          <ac:spMkLst>
-            <pc:docMk/>
-            <pc:sldMk cId="1756108763" sldId="270"/>
-            <ac:spMk id="3" creationId="{A73FFA34-83C0-7225-43B4-5EE755C8EC74}"/>
-          </ac:spMkLst>
-        </pc:spChg>
-      </pc:sldChg>
-      <pc:sldChg chg="modSp new">
-        <pc:chgData name="JD Kilgallin" userId="e8d7d97525d46f8a" providerId="Windows Live" clId="Web-{98970ECB-6E1A-4511-AC1B-A61F29E989CF}" dt="2022-06-29T04:50:30.559" v="3350" actId="20577"/>
-        <pc:sldMkLst>
-          <pc:docMk/>
-          <pc:sldMk cId="1601426447" sldId="271"/>
-        </pc:sldMkLst>
-        <pc:spChg chg="mod">
-          <ac:chgData name="JD Kilgallin" userId="e8d7d97525d46f8a" providerId="Windows Live" clId="Web-{98970ECB-6E1A-4511-AC1B-A61F29E989CF}" dt="2022-06-29T04:39:41.306" v="3114" actId="20577"/>
-          <ac:spMkLst>
-            <pc:docMk/>
-            <pc:sldMk cId="1601426447" sldId="271"/>
-            <ac:spMk id="2" creationId="{3036A89A-723B-72FE-6914-DDBAF8EEE9EB}"/>
-          </ac:spMkLst>
-        </pc:spChg>
-        <pc:spChg chg="mod">
-          <ac:chgData name="JD Kilgallin" userId="e8d7d97525d46f8a" providerId="Windows Live" clId="Web-{98970ECB-6E1A-4511-AC1B-A61F29E989CF}" dt="2022-06-29T04:50:30.559" v="3350" actId="20577"/>
-          <ac:spMkLst>
-            <pc:docMk/>
-            <pc:sldMk cId="1601426447" sldId="271"/>
-            <ac:spMk id="3" creationId="{DC66323F-E320-1D31-1558-51A1225F4087}"/>
-          </ac:spMkLst>
-        </pc:spChg>
-      </pc:sldChg>
-      <pc:sldChg chg="modSp new">
-        <pc:chgData name="JD Kilgallin" userId="e8d7d97525d46f8a" providerId="Windows Live" clId="Web-{98970ECB-6E1A-4511-AC1B-A61F29E989CF}" dt="2022-06-29T04:39:54.931" v="3122" actId="20577"/>
-        <pc:sldMkLst>
-          <pc:docMk/>
-          <pc:sldMk cId="2944492875" sldId="272"/>
-        </pc:sldMkLst>
-        <pc:spChg chg="mod">
-          <ac:chgData name="JD Kilgallin" userId="e8d7d97525d46f8a" providerId="Windows Live" clId="Web-{98970ECB-6E1A-4511-AC1B-A61F29E989CF}" dt="2022-06-29T04:39:54.931" v="3122" actId="20577"/>
-          <ac:spMkLst>
-            <pc:docMk/>
-            <pc:sldMk cId="2944492875" sldId="272"/>
-            <ac:spMk id="2" creationId="{63B286EB-4684-A0E9-A21B-F139E38ECAA9}"/>
-          </ac:spMkLst>
-        </pc:spChg>
-        <pc:spChg chg="mod">
-          <ac:chgData name="JD Kilgallin" userId="e8d7d97525d46f8a" providerId="Windows Live" clId="Web-{98970ECB-6E1A-4511-AC1B-A61F29E989CF}" dt="2022-06-29T04:39:29.368" v="3107" actId="20577"/>
-          <ac:spMkLst>
-            <pc:docMk/>
-            <pc:sldMk cId="2944492875" sldId="272"/>
-            <ac:spMk id="3" creationId="{1D776887-219B-3F8A-A483-15E9117D8C49}"/>
-          </ac:spMkLst>
-        </pc:spChg>
-      </pc:sldChg>
-      <pc:sldChg chg="modSp new">
-        <pc:chgData name="JD Kilgallin" userId="e8d7d97525d46f8a" providerId="Windows Live" clId="Web-{98970ECB-6E1A-4511-AC1B-A61F29E989CF}" dt="2022-06-29T04:50:38.965" v="3351" actId="20577"/>
-        <pc:sldMkLst>
-          <pc:docMk/>
-          <pc:sldMk cId="349599714" sldId="273"/>
-        </pc:sldMkLst>
-        <pc:spChg chg="mod">
-          <ac:chgData name="JD Kilgallin" userId="e8d7d97525d46f8a" providerId="Windows Live" clId="Web-{98970ECB-6E1A-4511-AC1B-A61F29E989CF}" dt="2022-06-29T04:50:38.965" v="3351" actId="20577"/>
-          <ac:spMkLst>
-            <pc:docMk/>
-            <pc:sldMk cId="349599714" sldId="273"/>
-            <ac:spMk id="2" creationId="{64EAA3C3-05B8-B0E6-5966-35AAA8497CC1}"/>
-          </ac:spMkLst>
-        </pc:spChg>
-        <pc:spChg chg="mod">
-          <ac:chgData name="JD Kilgallin" userId="e8d7d97525d46f8a" providerId="Windows Live" clId="Web-{98970ECB-6E1A-4511-AC1B-A61F29E989CF}" dt="2022-06-29T04:43:14.854" v="3174" actId="20577"/>
-          <ac:spMkLst>
-            <pc:docMk/>
-            <pc:sldMk cId="349599714" sldId="273"/>
-            <ac:spMk id="3" creationId="{0442C8E5-AD1A-E598-607D-5218002719EE}"/>
-          </ac:spMkLst>
-        </pc:spChg>
-      </pc:sldChg>
-    </pc:docChg>
-  </pc:docChgLst>
-  <pc:docChgLst>
-    <pc:chgData name="JD Kilgallin" userId="e8d7d97525d46f8a" providerId="Windows Live" clId="Web-{3C53C0AA-B1B0-4C03-A4CC-D3F83680FAEF}"/>
-    <pc:docChg chg="modSld">
-      <pc:chgData name="JD Kilgallin" userId="e8d7d97525d46f8a" providerId="Windows Live" clId="Web-{3C53C0AA-B1B0-4C03-A4CC-D3F83680FAEF}" dt="2022-07-01T02:24:11.479" v="130" actId="20577"/>
-      <pc:docMkLst>
-        <pc:docMk/>
-      </pc:docMkLst>
-      <pc:sldChg chg="modSp">
-        <pc:chgData name="JD Kilgallin" userId="e8d7d97525d46f8a" providerId="Windows Live" clId="Web-{3C53C0AA-B1B0-4C03-A4CC-D3F83680FAEF}" dt="2022-07-01T02:24:11.479" v="130" actId="20577"/>
-        <pc:sldMkLst>
-          <pc:docMk/>
-          <pc:sldMk cId="182976062" sldId="257"/>
-        </pc:sldMkLst>
-        <pc:spChg chg="mod">
-          <ac:chgData name="JD Kilgallin" userId="e8d7d97525d46f8a" providerId="Windows Live" clId="Web-{3C53C0AA-B1B0-4C03-A4CC-D3F83680FAEF}" dt="2022-07-01T02:24:11.479" v="130" actId="20577"/>
-          <ac:spMkLst>
-            <pc:docMk/>
-            <pc:sldMk cId="182976062" sldId="257"/>
-            <ac:spMk id="3" creationId="{A2C2E077-763A-27F7-A7DD-ACF11FB23A70}"/>
-          </ac:spMkLst>
-        </pc:spChg>
-      </pc:sldChg>
-      <pc:sldChg chg="modSp">
-        <pc:chgData name="JD Kilgallin" userId="e8d7d97525d46f8a" providerId="Windows Live" clId="Web-{3C53C0AA-B1B0-4C03-A4CC-D3F83680FAEF}" dt="2022-07-01T00:42:29.946" v="6" actId="20577"/>
-        <pc:sldMkLst>
-          <pc:docMk/>
-          <pc:sldMk cId="4205639055" sldId="260"/>
-        </pc:sldMkLst>
-        <pc:spChg chg="mod">
-          <ac:chgData name="JD Kilgallin" userId="e8d7d97525d46f8a" providerId="Windows Live" clId="Web-{3C53C0AA-B1B0-4C03-A4CC-D3F83680FAEF}" dt="2022-07-01T00:42:29.946" v="6" actId="20577"/>
-          <ac:spMkLst>
-            <pc:docMk/>
-            <pc:sldMk cId="4205639055" sldId="260"/>
-            <ac:spMk id="3" creationId="{3A41149E-633F-DF85-6337-A619D3CCB866}"/>
-          </ac:spMkLst>
-        </pc:spChg>
-      </pc:sldChg>
-    </pc:docChg>
-  </pc:docChgLst>
-  <pc:docChgLst>
-    <pc:chgData name="JD Kilgallin" userId="e8d7d97525d46f8a" providerId="Windows Live" clId="Web-{3D088CD4-85C8-439C-A2DB-B7982E6D934F}"/>
-    <pc:docChg chg="addSld delSld modSld sldOrd">
-      <pc:chgData name="JD Kilgallin" userId="e8d7d97525d46f8a" providerId="Windows Live" clId="Web-{3D088CD4-85C8-439C-A2DB-B7982E6D934F}" dt="2022-08-07T15:42:56.769" v="1228" actId="20577"/>
-      <pc:docMkLst>
-        <pc:docMk/>
-      </pc:docMkLst>
-      <pc:sldChg chg="modSp">
-        <pc:chgData name="JD Kilgallin" userId="e8d7d97525d46f8a" providerId="Windows Live" clId="Web-{3D088CD4-85C8-439C-A2DB-B7982E6D934F}" dt="2022-08-06T02:29:38.715" v="22" actId="20577"/>
-        <pc:sldMkLst>
-          <pc:docMk/>
-          <pc:sldMk cId="109857222" sldId="256"/>
-        </pc:sldMkLst>
-        <pc:spChg chg="mod">
-          <ac:chgData name="JD Kilgallin" userId="e8d7d97525d46f8a" providerId="Windows Live" clId="Web-{3D088CD4-85C8-439C-A2DB-B7982E6D934F}" dt="2022-08-06T01:56:37.022" v="1" actId="20577"/>
-          <ac:spMkLst>
-            <pc:docMk/>
-            <pc:sldMk cId="109857222" sldId="256"/>
-            <ac:spMk id="2" creationId="{00000000-0000-0000-0000-000000000000}"/>
-          </ac:spMkLst>
-        </pc:spChg>
-        <pc:spChg chg="mod">
-          <ac:chgData name="JD Kilgallin" userId="e8d7d97525d46f8a" providerId="Windows Live" clId="Web-{3D088CD4-85C8-439C-A2DB-B7982E6D934F}" dt="2022-08-06T02:29:38.715" v="22" actId="20577"/>
-          <ac:spMkLst>
-            <pc:docMk/>
-            <pc:sldMk cId="109857222" sldId="256"/>
-            <ac:spMk id="3" creationId="{00000000-0000-0000-0000-000000000000}"/>
-          </ac:spMkLst>
-        </pc:spChg>
-      </pc:sldChg>
-      <pc:sldChg chg="modSp">
-        <pc:chgData name="JD Kilgallin" userId="e8d7d97525d46f8a" providerId="Windows Live" clId="Web-{3D088CD4-85C8-439C-A2DB-B7982E6D934F}" dt="2022-08-06T02:32:51.888" v="72" actId="20577"/>
-        <pc:sldMkLst>
-          <pc:docMk/>
-          <pc:sldMk cId="182976062" sldId="257"/>
-        </pc:sldMkLst>
-        <pc:spChg chg="mod">
-          <ac:chgData name="JD Kilgallin" userId="e8d7d97525d46f8a" providerId="Windows Live" clId="Web-{3D088CD4-85C8-439C-A2DB-B7982E6D934F}" dt="2022-08-06T02:32:51.888" v="72" actId="20577"/>
-          <ac:spMkLst>
-            <pc:docMk/>
-            <pc:sldMk cId="182976062" sldId="257"/>
-            <ac:spMk id="3" creationId="{A2C2E077-763A-27F7-A7DD-ACF11FB23A70}"/>
-          </ac:spMkLst>
-        </pc:spChg>
-      </pc:sldChg>
-      <pc:sldChg chg="modSp">
-        <pc:chgData name="JD Kilgallin" userId="e8d7d97525d46f8a" providerId="Windows Live" clId="Web-{3D088CD4-85C8-439C-A2DB-B7982E6D934F}" dt="2022-08-06T03:05:31.927" v="704" actId="20577"/>
-        <pc:sldMkLst>
-          <pc:docMk/>
-          <pc:sldMk cId="2926063405" sldId="258"/>
-        </pc:sldMkLst>
-        <pc:spChg chg="mod">
-          <ac:chgData name="JD Kilgallin" userId="e8d7d97525d46f8a" providerId="Windows Live" clId="Web-{3D088CD4-85C8-439C-A2DB-B7982E6D934F}" dt="2022-08-06T03:05:31.927" v="704" actId="20577"/>
-          <ac:spMkLst>
-            <pc:docMk/>
-            <pc:sldMk cId="2926063405" sldId="258"/>
-            <ac:spMk id="3" creationId="{EE552A32-3A50-8A05-BAA0-A6178905DFA5}"/>
-          </ac:spMkLst>
-        </pc:spChg>
-      </pc:sldChg>
-      <pc:sldChg chg="modSp">
-        <pc:chgData name="JD Kilgallin" userId="e8d7d97525d46f8a" providerId="Windows Live" clId="Web-{3D088CD4-85C8-439C-A2DB-B7982E6D934F}" dt="2022-08-07T15:29:04.748" v="1046" actId="20577"/>
-        <pc:sldMkLst>
-          <pc:docMk/>
-          <pc:sldMk cId="2121453350" sldId="259"/>
-        </pc:sldMkLst>
-        <pc:spChg chg="mod">
-          <ac:chgData name="JD Kilgallin" userId="e8d7d97525d46f8a" providerId="Windows Live" clId="Web-{3D088CD4-85C8-439C-A2DB-B7982E6D934F}" dt="2022-08-07T15:29:04.748" v="1046" actId="20577"/>
-          <ac:spMkLst>
-            <pc:docMk/>
-            <pc:sldMk cId="2121453350" sldId="259"/>
-            <ac:spMk id="3" creationId="{0F8FDCA6-FE04-102B-4A07-F6CD5C9C5F5E}"/>
-          </ac:spMkLst>
-        </pc:spChg>
-      </pc:sldChg>
-      <pc:sldChg chg="modSp del">
-        <pc:chgData name="JD Kilgallin" userId="e8d7d97525d46f8a" providerId="Windows Live" clId="Web-{3D088CD4-85C8-439C-A2DB-B7982E6D934F}" dt="2022-08-06T17:54:49.915" v="903"/>
-        <pc:sldMkLst>
-          <pc:docMk/>
-          <pc:sldMk cId="4205639055" sldId="260"/>
-        </pc:sldMkLst>
-        <pc:spChg chg="mod">
-          <ac:chgData name="JD Kilgallin" userId="e8d7d97525d46f8a" providerId="Windows Live" clId="Web-{3D088CD4-85C8-439C-A2DB-B7982E6D934F}" dt="2022-08-06T02:38:33.624" v="170" actId="20577"/>
-          <ac:spMkLst>
-            <pc:docMk/>
-            <pc:sldMk cId="4205639055" sldId="260"/>
-            <ac:spMk id="2" creationId="{1472A072-B9DC-1248-0CC3-7D549E2D8321}"/>
-          </ac:spMkLst>
-        </pc:spChg>
-        <pc:spChg chg="mod">
-          <ac:chgData name="JD Kilgallin" userId="e8d7d97525d46f8a" providerId="Windows Live" clId="Web-{3D088CD4-85C8-439C-A2DB-B7982E6D934F}" dt="2022-08-06T03:10:33.573" v="822" actId="20577"/>
-          <ac:spMkLst>
-            <pc:docMk/>
-            <pc:sldMk cId="4205639055" sldId="260"/>
-            <ac:spMk id="3" creationId="{3A41149E-633F-DF85-6337-A619D3CCB866}"/>
-          </ac:spMkLst>
-        </pc:spChg>
-      </pc:sldChg>
-      <pc:sldChg chg="modSp">
-        <pc:chgData name="JD Kilgallin" userId="e8d7d97525d46f8a" providerId="Windows Live" clId="Web-{3D088CD4-85C8-439C-A2DB-B7982E6D934F}" dt="2022-08-06T02:45:58.797" v="369" actId="20577"/>
-        <pc:sldMkLst>
-          <pc:docMk/>
-          <pc:sldMk cId="1957119972" sldId="261"/>
-        </pc:sldMkLst>
-        <pc:spChg chg="mod">
-          <ac:chgData name="JD Kilgallin" userId="e8d7d97525d46f8a" providerId="Windows Live" clId="Web-{3D088CD4-85C8-439C-A2DB-B7982E6D934F}" dt="2022-08-06T02:45:58.797" v="369" actId="20577"/>
-          <ac:spMkLst>
-            <pc:docMk/>
-            <pc:sldMk cId="1957119972" sldId="261"/>
-            <ac:spMk id="3" creationId="{3BCB0BE9-C8CB-8899-407C-8302D85A08B6}"/>
-          </ac:spMkLst>
-        </pc:spChg>
-      </pc:sldChg>
-      <pc:sldChg chg="modSp del">
-        <pc:chgData name="JD Kilgallin" userId="e8d7d97525d46f8a" providerId="Windows Live" clId="Web-{3D088CD4-85C8-439C-A2DB-B7982E6D934F}" dt="2022-08-06T02:55:47.581" v="509"/>
-        <pc:sldMkLst>
-          <pc:docMk/>
-          <pc:sldMk cId="811013341" sldId="263"/>
-        </pc:sldMkLst>
-        <pc:spChg chg="mod">
-          <ac:chgData name="JD Kilgallin" userId="e8d7d97525d46f8a" providerId="Windows Live" clId="Web-{3D088CD4-85C8-439C-A2DB-B7982E6D934F}" dt="2022-08-06T02:50:28.611" v="415" actId="20577"/>
-          <ac:spMkLst>
-            <pc:docMk/>
-            <pc:sldMk cId="811013341" sldId="263"/>
-            <ac:spMk id="2" creationId="{8825F1DB-7A1A-274A-3C15-16815D9A8F92}"/>
-          </ac:spMkLst>
-        </pc:spChg>
-        <pc:spChg chg="mod">
-          <ac:chgData name="JD Kilgallin" userId="e8d7d97525d46f8a" providerId="Windows Live" clId="Web-{3D088CD4-85C8-439C-A2DB-B7982E6D934F}" dt="2022-08-06T02:55:34.300" v="504" actId="20577"/>
-          <ac:spMkLst>
-            <pc:docMk/>
-            <pc:sldMk cId="811013341" sldId="263"/>
-            <ac:spMk id="3" creationId="{25F6932B-7C84-5754-3A88-376632A05EE7}"/>
-          </ac:spMkLst>
-        </pc:spChg>
-      </pc:sldChg>
-      <pc:sldChg chg="modSp ord">
-        <pc:chgData name="JD Kilgallin" userId="e8d7d97525d46f8a" providerId="Windows Live" clId="Web-{3D088CD4-85C8-439C-A2DB-B7982E6D934F}" dt="2022-08-06T02:55:44.175" v="508" actId="20577"/>
-        <pc:sldMkLst>
-          <pc:docMk/>
-          <pc:sldMk cId="776020763" sldId="264"/>
-        </pc:sldMkLst>
-        <pc:spChg chg="mod">
-          <ac:chgData name="JD Kilgallin" userId="e8d7d97525d46f8a" providerId="Windows Live" clId="Web-{3D088CD4-85C8-439C-A2DB-B7982E6D934F}" dt="2022-08-06T02:52:58.736" v="444" actId="20577"/>
-          <ac:spMkLst>
-            <pc:docMk/>
-            <pc:sldMk cId="776020763" sldId="264"/>
-            <ac:spMk id="2" creationId="{89A3C702-A8EA-704D-9A76-6BA4EB7DD044}"/>
-          </ac:spMkLst>
-        </pc:spChg>
-        <pc:spChg chg="mod">
-          <ac:chgData name="JD Kilgallin" userId="e8d7d97525d46f8a" providerId="Windows Live" clId="Web-{3D088CD4-85C8-439C-A2DB-B7982E6D934F}" dt="2022-08-06T02:55:44.175" v="508" actId="20577"/>
-          <ac:spMkLst>
-            <pc:docMk/>
-            <pc:sldMk cId="776020763" sldId="264"/>
-            <ac:spMk id="3" creationId="{A85199CE-22EF-E244-2FC2-5705EA9FD3D9}"/>
-          </ac:spMkLst>
-        </pc:spChg>
-      </pc:sldChg>
-      <pc:sldChg chg="modSp">
-        <pc:chgData name="JD Kilgallin" userId="e8d7d97525d46f8a" providerId="Windows Live" clId="Web-{3D088CD4-85C8-439C-A2DB-B7982E6D934F}" dt="2022-08-06T02:59:00.066" v="605" actId="20577"/>
-        <pc:sldMkLst>
-          <pc:docMk/>
-          <pc:sldMk cId="3603234828" sldId="265"/>
-        </pc:sldMkLst>
-        <pc:spChg chg="mod">
-          <ac:chgData name="JD Kilgallin" userId="e8d7d97525d46f8a" providerId="Windows Live" clId="Web-{3D088CD4-85C8-439C-A2DB-B7982E6D934F}" dt="2022-08-06T02:56:18.550" v="518" actId="20577"/>
-          <ac:spMkLst>
-            <pc:docMk/>
-            <pc:sldMk cId="3603234828" sldId="265"/>
-            <ac:spMk id="2" creationId="{CE3E63B6-9894-FB92-739E-F6D0DFABEDAA}"/>
-          </ac:spMkLst>
-        </pc:spChg>
-        <pc:spChg chg="mod">
-          <ac:chgData name="JD Kilgallin" userId="e8d7d97525d46f8a" providerId="Windows Live" clId="Web-{3D088CD4-85C8-439C-A2DB-B7982E6D934F}" dt="2022-08-06T02:59:00.066" v="605" actId="20577"/>
-          <ac:spMkLst>
-            <pc:docMk/>
-            <pc:sldMk cId="3603234828" sldId="265"/>
-            <ac:spMk id="3" creationId="{99AE9084-DB9C-A629-08C9-EA5E63DD0C86}"/>
-          </ac:spMkLst>
-        </pc:spChg>
-      </pc:sldChg>
-      <pc:sldChg chg="modSp">
-        <pc:chgData name="JD Kilgallin" userId="e8d7d97525d46f8a" providerId="Windows Live" clId="Web-{3D088CD4-85C8-439C-A2DB-B7982E6D934F}" dt="2022-08-06T03:00:00.098" v="624" actId="20577"/>
-        <pc:sldMkLst>
-          <pc:docMk/>
-          <pc:sldMk cId="1817670063" sldId="266"/>
-        </pc:sldMkLst>
-        <pc:spChg chg="mod">
-          <ac:chgData name="JD Kilgallin" userId="e8d7d97525d46f8a" providerId="Windows Live" clId="Web-{3D088CD4-85C8-439C-A2DB-B7982E6D934F}" dt="2022-08-06T03:00:00.098" v="624" actId="20577"/>
-          <ac:spMkLst>
-            <pc:docMk/>
-            <pc:sldMk cId="1817670063" sldId="266"/>
-            <ac:spMk id="3" creationId="{EA1188D3-F3A0-F254-E98B-25A1E3584B64}"/>
-          </ac:spMkLst>
-        </pc:spChg>
-      </pc:sldChg>
-      <pc:sldChg chg="modSp">
-        <pc:chgData name="JD Kilgallin" userId="e8d7d97525d46f8a" providerId="Windows Live" clId="Web-{3D088CD4-85C8-439C-A2DB-B7982E6D934F}" dt="2022-08-06T03:00:32.957" v="632" actId="20577"/>
-        <pc:sldMkLst>
-          <pc:docMk/>
-          <pc:sldMk cId="2718096022" sldId="267"/>
-        </pc:sldMkLst>
-        <pc:spChg chg="mod">
-          <ac:chgData name="JD Kilgallin" userId="e8d7d97525d46f8a" providerId="Windows Live" clId="Web-{3D088CD4-85C8-439C-A2DB-B7982E6D934F}" dt="2022-08-06T03:00:32.957" v="632" actId="20577"/>
-          <ac:spMkLst>
-            <pc:docMk/>
-            <pc:sldMk cId="2718096022" sldId="267"/>
-            <ac:spMk id="3" creationId="{655CF555-E73E-1F98-4126-5A456008C481}"/>
-          </ac:spMkLst>
-        </pc:spChg>
-      </pc:sldChg>
-      <pc:sldChg chg="modSp">
-        <pc:chgData name="JD Kilgallin" userId="e8d7d97525d46f8a" providerId="Windows Live" clId="Web-{3D088CD4-85C8-439C-A2DB-B7982E6D934F}" dt="2022-08-07T14:56:55.493" v="1018" actId="20577"/>
-        <pc:sldMkLst>
-          <pc:docMk/>
-          <pc:sldMk cId="2476474234" sldId="268"/>
-        </pc:sldMkLst>
-        <pc:spChg chg="mod">
-          <ac:chgData name="JD Kilgallin" userId="e8d7d97525d46f8a" providerId="Windows Live" clId="Web-{3D088CD4-85C8-439C-A2DB-B7982E6D934F}" dt="2022-08-07T14:56:55.493" v="1018" actId="20577"/>
-          <ac:spMkLst>
-            <pc:docMk/>
-            <pc:sldMk cId="2476474234" sldId="268"/>
-            <ac:spMk id="3" creationId="{E11A6A22-1A45-5B71-A920-2E6E9C7D0482}"/>
-          </ac:spMkLst>
-        </pc:spChg>
-      </pc:sldChg>
-      <pc:sldChg chg="modSp">
-        <pc:chgData name="JD Kilgallin" userId="e8d7d97525d46f8a" providerId="Windows Live" clId="Web-{3D088CD4-85C8-439C-A2DB-B7982E6D934F}" dt="2022-08-07T14:57:43.118" v="1034" actId="20577"/>
-        <pc:sldMkLst>
-          <pc:docMk/>
-          <pc:sldMk cId="1411998748" sldId="269"/>
-        </pc:sldMkLst>
-        <pc:spChg chg="mod">
-          <ac:chgData name="JD Kilgallin" userId="e8d7d97525d46f8a" providerId="Windows Live" clId="Web-{3D088CD4-85C8-439C-A2DB-B7982E6D934F}" dt="2022-08-07T14:57:43.118" v="1034" actId="20577"/>
-          <ac:spMkLst>
-            <pc:docMk/>
-            <pc:sldMk cId="1411998748" sldId="269"/>
-            <ac:spMk id="3" creationId="{5F4B859A-A9A9-7E87-EF7F-29145A6274F7}"/>
-          </ac:spMkLst>
-        </pc:spChg>
-      </pc:sldChg>
-      <pc:sldChg chg="modSp">
-        <pc:chgData name="JD Kilgallin" userId="e8d7d97525d46f8a" providerId="Windows Live" clId="Web-{3D088CD4-85C8-439C-A2DB-B7982E6D934F}" dt="2022-08-06T08:45:24.268" v="824" actId="20577"/>
-        <pc:sldMkLst>
-          <pc:docMk/>
-          <pc:sldMk cId="1756108763" sldId="270"/>
-        </pc:sldMkLst>
-        <pc:spChg chg="mod">
-          <ac:chgData name="JD Kilgallin" userId="e8d7d97525d46f8a" providerId="Windows Live" clId="Web-{3D088CD4-85C8-439C-A2DB-B7982E6D934F}" dt="2022-08-06T08:45:24.268" v="824" actId="20577"/>
-          <ac:spMkLst>
-            <pc:docMk/>
-            <pc:sldMk cId="1756108763" sldId="270"/>
-            <ac:spMk id="3" creationId="{A73FFA34-83C0-7225-43B4-5EE755C8EC74}"/>
-          </ac:spMkLst>
-        </pc:spChg>
-      </pc:sldChg>
-      <pc:sldChg chg="modSp">
-        <pc:chgData name="JD Kilgallin" userId="e8d7d97525d46f8a" providerId="Windows Live" clId="Web-{3D088CD4-85C8-439C-A2DB-B7982E6D934F}" dt="2022-08-07T15:33:01.797" v="1091" actId="20577"/>
-        <pc:sldMkLst>
-          <pc:docMk/>
-          <pc:sldMk cId="1601426447" sldId="271"/>
-        </pc:sldMkLst>
-        <pc:spChg chg="mod">
-          <ac:chgData name="JD Kilgallin" userId="e8d7d97525d46f8a" providerId="Windows Live" clId="Web-{3D088CD4-85C8-439C-A2DB-B7982E6D934F}" dt="2022-08-07T15:33:01.797" v="1091" actId="20577"/>
-          <ac:spMkLst>
-            <pc:docMk/>
-            <pc:sldMk cId="1601426447" sldId="271"/>
-            <ac:spMk id="3" creationId="{DC66323F-E320-1D31-1558-51A1225F4087}"/>
-          </ac:spMkLst>
-        </pc:spChg>
-      </pc:sldChg>
-      <pc:sldChg chg="modSp">
-        <pc:chgData name="JD Kilgallin" userId="e8d7d97525d46f8a" providerId="Windows Live" clId="Web-{3D088CD4-85C8-439C-A2DB-B7982E6D934F}" dt="2022-08-07T15:37:07.892" v="1133" actId="20577"/>
-        <pc:sldMkLst>
-          <pc:docMk/>
-          <pc:sldMk cId="2944492875" sldId="272"/>
-        </pc:sldMkLst>
-        <pc:spChg chg="mod">
-          <ac:chgData name="JD Kilgallin" userId="e8d7d97525d46f8a" providerId="Windows Live" clId="Web-{3D088CD4-85C8-439C-A2DB-B7982E6D934F}" dt="2022-08-07T15:37:07.892" v="1133" actId="20577"/>
-          <ac:spMkLst>
-            <pc:docMk/>
-            <pc:sldMk cId="2944492875" sldId="272"/>
-            <ac:spMk id="3" creationId="{1D776887-219B-3F8A-A483-15E9117D8C49}"/>
-          </ac:spMkLst>
-        </pc:spChg>
-      </pc:sldChg>
-      <pc:sldChg chg="modSp">
-        <pc:chgData name="JD Kilgallin" userId="e8d7d97525d46f8a" providerId="Windows Live" clId="Web-{3D088CD4-85C8-439C-A2DB-B7982E6D934F}" dt="2022-08-07T14:57:52.039" v="1035" actId="20577"/>
-        <pc:sldMkLst>
-          <pc:docMk/>
-          <pc:sldMk cId="1125582031" sldId="274"/>
-        </pc:sldMkLst>
-        <pc:spChg chg="mod">
-          <ac:chgData name="JD Kilgallin" userId="e8d7d97525d46f8a" providerId="Windows Live" clId="Web-{3D088CD4-85C8-439C-A2DB-B7982E6D934F}" dt="2022-08-07T14:57:52.039" v="1035" actId="20577"/>
-          <ac:spMkLst>
-            <pc:docMk/>
-            <pc:sldMk cId="1125582031" sldId="274"/>
-            <ac:spMk id="3" creationId="{44A91076-C9E5-635A-2957-BEF6ABA2D06E}"/>
-          </ac:spMkLst>
-        </pc:spChg>
-      </pc:sldChg>
-      <pc:sldChg chg="modSp new del">
-        <pc:chgData name="JD Kilgallin" userId="e8d7d97525d46f8a" providerId="Windows Live" clId="Web-{3D088CD4-85C8-439C-A2DB-B7982E6D934F}" dt="2022-08-06T17:54:49.915" v="902"/>
-        <pc:sldMkLst>
-          <pc:docMk/>
-          <pc:sldMk cId="2386757271" sldId="275"/>
-        </pc:sldMkLst>
-        <pc:spChg chg="mod">
-          <ac:chgData name="JD Kilgallin" userId="e8d7d97525d46f8a" providerId="Windows Live" clId="Web-{3D088CD4-85C8-439C-A2DB-B7982E6D934F}" dt="2022-08-06T02:38:47.952" v="175" actId="20577"/>
-          <ac:spMkLst>
-            <pc:docMk/>
-            <pc:sldMk cId="2386757271" sldId="275"/>
-            <ac:spMk id="2" creationId="{D71B70F4-4356-5DB9-04DE-B86E58901F84}"/>
-          </ac:spMkLst>
-        </pc:spChg>
-        <pc:spChg chg="mod">
-          <ac:chgData name="JD Kilgallin" userId="e8d7d97525d46f8a" providerId="Windows Live" clId="Web-{3D088CD4-85C8-439C-A2DB-B7982E6D934F}" dt="2022-08-06T03:09:43.307" v="750" actId="20577"/>
-          <ac:spMkLst>
-            <pc:docMk/>
-            <pc:sldMk cId="2386757271" sldId="275"/>
-            <ac:spMk id="3" creationId="{F91A0755-D87B-B8A9-F627-AFF566A9A7BF}"/>
-          </ac:spMkLst>
-        </pc:spChg>
-      </pc:sldChg>
-      <pc:sldChg chg="add del">
-        <pc:chgData name="JD Kilgallin" userId="e8d7d97525d46f8a" providerId="Windows Live" clId="Web-{3D088CD4-85C8-439C-A2DB-B7982E6D934F}" dt="2022-08-06T17:54:57.993" v="907"/>
-        <pc:sldMkLst>
-          <pc:docMk/>
-          <pc:sldMk cId="2519840844" sldId="275"/>
-        </pc:sldMkLst>
-      </pc:sldChg>
-      <pc:sldChg chg="modSp add">
-        <pc:chgData name="JD Kilgallin" userId="e8d7d97525d46f8a" providerId="Windows Live" clId="Web-{3D088CD4-85C8-439C-A2DB-B7982E6D934F}" dt="2022-08-06T17:55:43.899" v="921" actId="20577"/>
-        <pc:sldMkLst>
-          <pc:docMk/>
-          <pc:sldMk cId="4169031996" sldId="275"/>
-        </pc:sldMkLst>
-        <pc:spChg chg="mod">
-          <ac:chgData name="JD Kilgallin" userId="e8d7d97525d46f8a" providerId="Windows Live" clId="Web-{3D088CD4-85C8-439C-A2DB-B7982E6D934F}" dt="2022-08-06T17:55:43.899" v="921" actId="20577"/>
-          <ac:spMkLst>
-            <pc:docMk/>
-            <pc:sldMk cId="4169031996" sldId="275"/>
-            <ac:spMk id="3" creationId="{F91A0755-D87B-B8A9-F627-AFF566A9A7BF}"/>
-          </ac:spMkLst>
-        </pc:spChg>
-      </pc:sldChg>
-      <pc:sldChg chg="add del">
-        <pc:chgData name="JD Kilgallin" userId="e8d7d97525d46f8a" providerId="Windows Live" clId="Web-{3D088CD4-85C8-439C-A2DB-B7982E6D934F}" dt="2022-08-06T17:54:57.993" v="906"/>
-        <pc:sldMkLst>
-          <pc:docMk/>
-          <pc:sldMk cId="890911082" sldId="276"/>
-        </pc:sldMkLst>
-      </pc:sldChg>
-      <pc:sldChg chg="modSp add">
-        <pc:chgData name="JD Kilgallin" userId="e8d7d97525d46f8a" providerId="Windows Live" clId="Web-{3D088CD4-85C8-439C-A2DB-B7982E6D934F}" dt="2022-08-06T17:57:46.757" v="995" actId="20577"/>
-        <pc:sldMkLst>
-          <pc:docMk/>
-          <pc:sldMk cId="3096167324" sldId="276"/>
-        </pc:sldMkLst>
-        <pc:spChg chg="mod">
-          <ac:chgData name="JD Kilgallin" userId="e8d7d97525d46f8a" providerId="Windows Live" clId="Web-{3D088CD4-85C8-439C-A2DB-B7982E6D934F}" dt="2022-08-06T17:57:46.757" v="995" actId="20577"/>
-          <ac:spMkLst>
-            <pc:docMk/>
-            <pc:sldMk cId="3096167324" sldId="276"/>
-            <ac:spMk id="3" creationId="{3A41149E-633F-DF85-6337-A619D3CCB866}"/>
-          </ac:spMkLst>
-        </pc:spChg>
-      </pc:sldChg>
-      <pc:sldChg chg="modSp new del">
-        <pc:chgData name="JD Kilgallin" userId="e8d7d97525d46f8a" providerId="Windows Live" clId="Web-{3D088CD4-85C8-439C-A2DB-B7982E6D934F}" dt="2022-08-06T03:03:43.802" v="657"/>
-        <pc:sldMkLst>
-          <pc:docMk/>
-          <pc:sldMk cId="3858934946" sldId="276"/>
-        </pc:sldMkLst>
-        <pc:spChg chg="mod">
-          <ac:chgData name="JD Kilgallin" userId="e8d7d97525d46f8a" providerId="Windows Live" clId="Web-{3D088CD4-85C8-439C-A2DB-B7982E6D934F}" dt="2022-08-06T03:02:04.708" v="636" actId="20577"/>
-          <ac:spMkLst>
-            <pc:docMk/>
-            <pc:sldMk cId="3858934946" sldId="276"/>
-            <ac:spMk id="3" creationId="{A70B66DC-9C1A-C45C-4C65-08AB65E94A74}"/>
-          </ac:spMkLst>
-        </pc:spChg>
-      </pc:sldChg>
-      <pc:sldChg chg="modSp new">
-        <pc:chgData name="JD Kilgallin" userId="e8d7d97525d46f8a" providerId="Windows Live" clId="Web-{3D088CD4-85C8-439C-A2DB-B7982E6D934F}" dt="2022-08-07T15:42:56.769" v="1228" actId="20577"/>
-        <pc:sldMkLst>
-          <pc:docMk/>
-          <pc:sldMk cId="2569942149" sldId="277"/>
-        </pc:sldMkLst>
-        <pc:spChg chg="mod">
-          <ac:chgData name="JD Kilgallin" userId="e8d7d97525d46f8a" providerId="Windows Live" clId="Web-{3D088CD4-85C8-439C-A2DB-B7982E6D934F}" dt="2022-08-07T15:28:40.279" v="1042" actId="20577"/>
-          <ac:spMkLst>
-            <pc:docMk/>
-            <pc:sldMk cId="2569942149" sldId="277"/>
-            <ac:spMk id="2" creationId="{E9D63156-9CEB-6A8E-652A-11951F907EB8}"/>
-          </ac:spMkLst>
-        </pc:spChg>
-        <pc:spChg chg="mod">
-          <ac:chgData name="JD Kilgallin" userId="e8d7d97525d46f8a" providerId="Windows Live" clId="Web-{3D088CD4-85C8-439C-A2DB-B7982E6D934F}" dt="2022-08-07T15:42:56.769" v="1228" actId="20577"/>
-          <ac:spMkLst>
-            <pc:docMk/>
-            <pc:sldMk cId="2569942149" sldId="277"/>
-            <ac:spMk id="3" creationId="{5C113E58-9072-88C6-C938-43E909EA3E4C}"/>
-          </ac:spMkLst>
-        </pc:spChg>
-      </pc:sldChg>
-    </pc:docChg>
-  </pc:docChgLst>
-  <pc:docChgLst>
-    <pc:chgData clId="Web-{2580740E-A01C-4757-8AA3-B07B9FA90C12}"/>
-    <pc:docChg chg="modSld">
-      <pc:chgData name="" userId="" providerId="" clId="Web-{2580740E-A01C-4757-8AA3-B07B9FA90C12}" dt="2022-08-21T18:02:47.588" v="0" actId="20577"/>
-      <pc:docMkLst>
-        <pc:docMk/>
-      </pc:docMkLst>
-      <pc:sldChg chg="modSp">
-        <pc:chgData name="" userId="" providerId="" clId="Web-{2580740E-A01C-4757-8AA3-B07B9FA90C12}" dt="2022-08-21T18:02:47.588" v="0" actId="20577"/>
-        <pc:sldMkLst>
-          <pc:docMk/>
-          <pc:sldMk cId="1817670063" sldId="266"/>
-        </pc:sldMkLst>
-        <pc:spChg chg="mod">
-          <ac:chgData name="" userId="" providerId="" clId="Web-{2580740E-A01C-4757-8AA3-B07B9FA90C12}" dt="2022-08-21T18:02:47.588" v="0" actId="20577"/>
-          <ac:spMkLst>
-            <pc:docMk/>
-            <pc:sldMk cId="1817670063" sldId="266"/>
-            <ac:spMk id="3" creationId="{EA1188D3-F3A0-F254-E98B-25A1E3584B64}"/>
-          </ac:spMkLst>
-        </pc:spChg>
-      </pc:sldChg>
-    </pc:docChg>
-  </pc:docChgLst>
-  <pc:docChgLst>
-    <pc:chgData name="JD Kilgallin" userId="e8d7d97525d46f8a" providerId="Windows Live" clId="Web-{203BC1D6-FAA9-4C6E-9BDE-7B63FF57FD07}"/>
-    <pc:docChg chg="addSld modSld">
-      <pc:chgData name="JD Kilgallin" userId="e8d7d97525d46f8a" providerId="Windows Live" clId="Web-{203BC1D6-FAA9-4C6E-9BDE-7B63FF57FD07}" dt="2022-06-30T03:34:49.727" v="197" actId="20577"/>
-      <pc:docMkLst>
-        <pc:docMk/>
-      </pc:docMkLst>
-      <pc:sldChg chg="modSp">
-        <pc:chgData name="JD Kilgallin" userId="e8d7d97525d46f8a" providerId="Windows Live" clId="Web-{203BC1D6-FAA9-4C6E-9BDE-7B63FF57FD07}" dt="2022-06-30T02:54:33.378" v="191" actId="20577"/>
-        <pc:sldMkLst>
-          <pc:docMk/>
-          <pc:sldMk cId="1957119972" sldId="261"/>
-        </pc:sldMkLst>
-        <pc:spChg chg="mod">
-          <ac:chgData name="JD Kilgallin" userId="e8d7d97525d46f8a" providerId="Windows Live" clId="Web-{203BC1D6-FAA9-4C6E-9BDE-7B63FF57FD07}" dt="2022-06-30T02:54:33.378" v="191" actId="20577"/>
-          <ac:spMkLst>
-            <pc:docMk/>
-            <pc:sldMk cId="1957119972" sldId="261"/>
-            <ac:spMk id="3" creationId="{3BCB0BE9-C8CB-8899-407C-8302D85A08B6}"/>
-          </ac:spMkLst>
-        </pc:spChg>
-      </pc:sldChg>
-      <pc:sldChg chg="modSp">
-        <pc:chgData name="JD Kilgallin" userId="e8d7d97525d46f8a" providerId="Windows Live" clId="Web-{203BC1D6-FAA9-4C6E-9BDE-7B63FF57FD07}" dt="2022-06-30T03:34:49.727" v="197" actId="20577"/>
-        <pc:sldMkLst>
-          <pc:docMk/>
-          <pc:sldMk cId="4093243686" sldId="262"/>
-        </pc:sldMkLst>
-        <pc:spChg chg="mod">
-          <ac:chgData name="JD Kilgallin" userId="e8d7d97525d46f8a" providerId="Windows Live" clId="Web-{203BC1D6-FAA9-4C6E-9BDE-7B63FF57FD07}" dt="2022-06-30T03:34:49.727" v="197" actId="20577"/>
-          <ac:spMkLst>
-            <pc:docMk/>
-            <pc:sldMk cId="4093243686" sldId="262"/>
-            <ac:spMk id="3" creationId="{61291957-5241-7497-DB2C-47BF542CD063}"/>
-          </ac:spMkLst>
-        </pc:spChg>
-      </pc:sldChg>
-      <pc:sldChg chg="modSp">
-        <pc:chgData name="JD Kilgallin" userId="e8d7d97525d46f8a" providerId="Windows Live" clId="Web-{203BC1D6-FAA9-4C6E-9BDE-7B63FF57FD07}" dt="2022-06-30T02:15:51.950" v="83" actId="20577"/>
-        <pc:sldMkLst>
-          <pc:docMk/>
-          <pc:sldMk cId="1756108763" sldId="270"/>
-        </pc:sldMkLst>
-        <pc:spChg chg="mod">
-          <ac:chgData name="JD Kilgallin" userId="e8d7d97525d46f8a" providerId="Windows Live" clId="Web-{203BC1D6-FAA9-4C6E-9BDE-7B63FF57FD07}" dt="2022-06-30T02:15:51.950" v="83" actId="20577"/>
-          <ac:spMkLst>
-            <pc:docMk/>
-            <pc:sldMk cId="1756108763" sldId="270"/>
-            <ac:spMk id="3" creationId="{A73FFA34-83C0-7225-43B4-5EE755C8EC74}"/>
-          </ac:spMkLst>
-        </pc:spChg>
-      </pc:sldChg>
-      <pc:sldChg chg="modSp new">
-        <pc:chgData name="JD Kilgallin" userId="e8d7d97525d46f8a" providerId="Windows Live" clId="Web-{203BC1D6-FAA9-4C6E-9BDE-7B63FF57FD07}" dt="2022-06-30T02:18:16.452" v="168" actId="20577"/>
-        <pc:sldMkLst>
-          <pc:docMk/>
-          <pc:sldMk cId="1125582031" sldId="274"/>
-        </pc:sldMkLst>
-        <pc:spChg chg="mod">
-          <ac:chgData name="JD Kilgallin" userId="e8d7d97525d46f8a" providerId="Windows Live" clId="Web-{203BC1D6-FAA9-4C6E-9BDE-7B63FF57FD07}" dt="2022-06-30T02:10:24.070" v="3" actId="20577"/>
-          <ac:spMkLst>
-            <pc:docMk/>
-            <pc:sldMk cId="1125582031" sldId="274"/>
-            <ac:spMk id="2" creationId="{926D6A6C-D1FA-1680-682A-9BA5CAA334F6}"/>
-          </ac:spMkLst>
-        </pc:spChg>
-        <pc:spChg chg="mod">
-          <ac:chgData name="JD Kilgallin" userId="e8d7d97525d46f8a" providerId="Windows Live" clId="Web-{203BC1D6-FAA9-4C6E-9BDE-7B63FF57FD07}" dt="2022-06-30T02:18:16.452" v="168" actId="20577"/>
-          <ac:spMkLst>
-            <pc:docMk/>
-            <pc:sldMk cId="1125582031" sldId="274"/>
-            <ac:spMk id="3" creationId="{44A91076-C9E5-635A-2957-BEF6ABA2D06E}"/>
-          </ac:spMkLst>
-        </pc:spChg>
-      </pc:sldChg>
-    </pc:docChg>
-  </pc:docChgLst>
-  <pc:docChgLst>
-    <pc:chgData name="JD Kilgallin" userId="e8d7d97525d46f8a" providerId="Windows Live" clId="Web-{1EDC698A-2B76-40E3-B69B-9D684155361B}"/>
-    <pc:docChg chg="modSld">
-      <pc:chgData name="JD Kilgallin" userId="e8d7d97525d46f8a" providerId="Windows Live" clId="Web-{1EDC698A-2B76-40E3-B69B-9D684155361B}" dt="2022-06-30T00:06:02.366" v="9" actId="20577"/>
-      <pc:docMkLst>
-        <pc:docMk/>
-      </pc:docMkLst>
-      <pc:sldChg chg="modSp">
-        <pc:chgData name="JD Kilgallin" userId="e8d7d97525d46f8a" providerId="Windows Live" clId="Web-{1EDC698A-2B76-40E3-B69B-9D684155361B}" dt="2022-06-30T00:05:45.990" v="7" actId="20577"/>
-        <pc:sldMkLst>
-          <pc:docMk/>
-          <pc:sldMk cId="109857222" sldId="256"/>
-        </pc:sldMkLst>
-        <pc:spChg chg="mod">
-          <ac:chgData name="JD Kilgallin" userId="e8d7d97525d46f8a" providerId="Windows Live" clId="Web-{1EDC698A-2B76-40E3-B69B-9D684155361B}" dt="2022-06-30T00:05:45.990" v="7" actId="20577"/>
-          <ac:spMkLst>
-            <pc:docMk/>
-            <pc:sldMk cId="109857222" sldId="256"/>
-            <ac:spMk id="3" creationId="{00000000-0000-0000-0000-000000000000}"/>
-          </ac:spMkLst>
-        </pc:spChg>
-      </pc:sldChg>
-      <pc:sldChg chg="modSp">
-        <pc:chgData name="JD Kilgallin" userId="e8d7d97525d46f8a" providerId="Windows Live" clId="Web-{1EDC698A-2B76-40E3-B69B-9D684155361B}" dt="2022-06-30T00:06:02.366" v="9" actId="20577"/>
-        <pc:sldMkLst>
-          <pc:docMk/>
-          <pc:sldMk cId="1601426447" sldId="271"/>
-        </pc:sldMkLst>
-        <pc:spChg chg="mod">
-          <ac:chgData name="JD Kilgallin" userId="e8d7d97525d46f8a" providerId="Windows Live" clId="Web-{1EDC698A-2B76-40E3-B69B-9D684155361B}" dt="2022-06-30T00:06:02.366" v="9" actId="20577"/>
-          <ac:spMkLst>
-            <pc:docMk/>
-            <pc:sldMk cId="1601426447" sldId="271"/>
-            <ac:spMk id="3" creationId="{DC66323F-E320-1D31-1558-51A1225F4087}"/>
-          </ac:spMkLst>
-        </pc:spChg>
-      </pc:sldChg>
-    </pc:docChg>
-  </pc:docChgLst>
-  <pc:docChgLst>
-    <pc:chgData name="JD Kilgallin" userId="e8d7d97525d46f8a" providerId="Windows Live" clId="Web-{E3117403-4333-40F8-ADB5-ABEB50A9F87E}"/>
-    <pc:docChg chg="modSld">
-      <pc:chgData name="JD Kilgallin" userId="e8d7d97525d46f8a" providerId="Windows Live" clId="Web-{E3117403-4333-40F8-ADB5-ABEB50A9F87E}" dt="2022-06-30T18:41:41.757" v="41" actId="20577"/>
-      <pc:docMkLst>
-        <pc:docMk/>
-      </pc:docMkLst>
-      <pc:sldChg chg="modSp">
-        <pc:chgData name="JD Kilgallin" userId="e8d7d97525d46f8a" providerId="Windows Live" clId="Web-{E3117403-4333-40F8-ADB5-ABEB50A9F87E}" dt="2022-06-30T18:41:41.757" v="41" actId="20577"/>
-        <pc:sldMkLst>
-          <pc:docMk/>
-          <pc:sldMk cId="4205639055" sldId="260"/>
-        </pc:sldMkLst>
-        <pc:spChg chg="mod">
-          <ac:chgData name="JD Kilgallin" userId="e8d7d97525d46f8a" providerId="Windows Live" clId="Web-{E3117403-4333-40F8-ADB5-ABEB50A9F87E}" dt="2022-06-30T18:41:41.757" v="41" actId="20577"/>
-          <ac:spMkLst>
-            <pc:docMk/>
-            <pc:sldMk cId="4205639055" sldId="260"/>
-            <ac:spMk id="3" creationId="{3A41149E-633F-DF85-6337-A619D3CCB866}"/>
-          </ac:spMkLst>
-        </pc:spChg>
-      </pc:sldChg>
-    </pc:docChg>
-  </pc:docChgLst>
-  <pc:docChgLst>
-    <pc:chgData name="JD Kilgallin" userId="e8d7d97525d46f8a" providerId="Windows Live" clId="Web-{E1FFCA9D-0ABE-4E01-99CE-A99218C512E8}"/>
-    <pc:docChg chg="delSld modSld">
-      <pc:chgData name="JD Kilgallin" userId="e8d7d97525d46f8a" providerId="Windows Live" clId="Web-{E1FFCA9D-0ABE-4E01-99CE-A99218C512E8}" dt="2022-08-19T00:43:04.050" v="100"/>
-      <pc:docMkLst>
-        <pc:docMk/>
-      </pc:docMkLst>
-      <pc:sldChg chg="modSp">
-        <pc:chgData name="JD Kilgallin" userId="e8d7d97525d46f8a" providerId="Windows Live" clId="Web-{E1FFCA9D-0ABE-4E01-99CE-A99218C512E8}" dt="2022-08-19T00:36:25.280" v="37" actId="20577"/>
-        <pc:sldMkLst>
-          <pc:docMk/>
-          <pc:sldMk cId="1957119972" sldId="261"/>
-        </pc:sldMkLst>
-        <pc:spChg chg="mod">
-          <ac:chgData name="JD Kilgallin" userId="e8d7d97525d46f8a" providerId="Windows Live" clId="Web-{E1FFCA9D-0ABE-4E01-99CE-A99218C512E8}" dt="2022-08-19T00:36:17.295" v="33" actId="20577"/>
-          <ac:spMkLst>
-            <pc:docMk/>
-            <pc:sldMk cId="1957119972" sldId="261"/>
-            <ac:spMk id="2" creationId="{78F61ECF-8A5C-963C-93A6-C2630332B667}"/>
-          </ac:spMkLst>
-        </pc:spChg>
-        <pc:spChg chg="mod">
-          <ac:chgData name="JD Kilgallin" userId="e8d7d97525d46f8a" providerId="Windows Live" clId="Web-{E1FFCA9D-0ABE-4E01-99CE-A99218C512E8}" dt="2022-08-19T00:36:25.280" v="37" actId="20577"/>
-          <ac:spMkLst>
-            <pc:docMk/>
-            <pc:sldMk cId="1957119972" sldId="261"/>
-            <ac:spMk id="3" creationId="{3BCB0BE9-C8CB-8899-407C-8302D85A08B6}"/>
-          </ac:spMkLst>
-        </pc:spChg>
-      </pc:sldChg>
-      <pc:sldChg chg="modSp">
-        <pc:chgData name="JD Kilgallin" userId="e8d7d97525d46f8a" providerId="Windows Live" clId="Web-{E1FFCA9D-0ABE-4E01-99CE-A99218C512E8}" dt="2022-08-19T00:36:52.889" v="43" actId="20577"/>
-        <pc:sldMkLst>
-          <pc:docMk/>
-          <pc:sldMk cId="4093243686" sldId="262"/>
-        </pc:sldMkLst>
-        <pc:spChg chg="mod">
-          <ac:chgData name="JD Kilgallin" userId="e8d7d97525d46f8a" providerId="Windows Live" clId="Web-{E1FFCA9D-0ABE-4E01-99CE-A99218C512E8}" dt="2022-08-19T00:36:52.889" v="43" actId="20577"/>
-          <ac:spMkLst>
-            <pc:docMk/>
-            <pc:sldMk cId="4093243686" sldId="262"/>
-            <ac:spMk id="2" creationId="{EA702BEE-D012-50DE-9D64-C70F5576F6BD}"/>
-          </ac:spMkLst>
-        </pc:spChg>
-        <pc:spChg chg="mod">
-          <ac:chgData name="JD Kilgallin" userId="e8d7d97525d46f8a" providerId="Windows Live" clId="Web-{E1FFCA9D-0ABE-4E01-99CE-A99218C512E8}" dt="2022-08-19T00:36:33.967" v="40" actId="20577"/>
-          <ac:spMkLst>
-            <pc:docMk/>
-            <pc:sldMk cId="4093243686" sldId="262"/>
-            <ac:spMk id="3" creationId="{61291957-5241-7497-DB2C-47BF542CD063}"/>
-          </ac:spMkLst>
-        </pc:spChg>
-      </pc:sldChg>
-      <pc:sldChg chg="modSp">
-        <pc:chgData name="JD Kilgallin" userId="e8d7d97525d46f8a" providerId="Windows Live" clId="Web-{E1FFCA9D-0ABE-4E01-99CE-A99218C512E8}" dt="2022-08-19T00:37:14.061" v="48" actId="20577"/>
-        <pc:sldMkLst>
-          <pc:docMk/>
-          <pc:sldMk cId="776020763" sldId="264"/>
-        </pc:sldMkLst>
-        <pc:spChg chg="mod">
-          <ac:chgData name="JD Kilgallin" userId="e8d7d97525d46f8a" providerId="Windows Live" clId="Web-{E1FFCA9D-0ABE-4E01-99CE-A99218C512E8}" dt="2022-08-19T00:37:14.061" v="48" actId="20577"/>
-          <ac:spMkLst>
-            <pc:docMk/>
-            <pc:sldMk cId="776020763" sldId="264"/>
-            <ac:spMk id="2" creationId="{89A3C702-A8EA-704D-9A76-6BA4EB7DD044}"/>
-          </ac:spMkLst>
-        </pc:spChg>
-        <pc:spChg chg="mod">
-          <ac:chgData name="JD Kilgallin" userId="e8d7d97525d46f8a" providerId="Windows Live" clId="Web-{E1FFCA9D-0ABE-4E01-99CE-A99218C512E8}" dt="2022-08-19T00:34:32.966" v="24" actId="20577"/>
-          <ac:spMkLst>
-            <pc:docMk/>
-            <pc:sldMk cId="776020763" sldId="264"/>
-            <ac:spMk id="3" creationId="{A85199CE-22EF-E244-2FC2-5705EA9FD3D9}"/>
-          </ac:spMkLst>
-        </pc:spChg>
-      </pc:sldChg>
-      <pc:sldChg chg="modSp">
-        <pc:chgData name="JD Kilgallin" userId="e8d7d97525d46f8a" providerId="Windows Live" clId="Web-{E1FFCA9D-0ABE-4E01-99CE-A99218C512E8}" dt="2022-08-19T00:37:19.202" v="52" actId="20577"/>
-        <pc:sldMkLst>
-          <pc:docMk/>
-          <pc:sldMk cId="3603234828" sldId="265"/>
-        </pc:sldMkLst>
-        <pc:spChg chg="mod">
-          <ac:chgData name="JD Kilgallin" userId="e8d7d97525d46f8a" providerId="Windows Live" clId="Web-{E1FFCA9D-0ABE-4E01-99CE-A99218C512E8}" dt="2022-08-19T00:37:19.202" v="52" actId="20577"/>
-          <ac:spMkLst>
-            <pc:docMk/>
-            <pc:sldMk cId="3603234828" sldId="265"/>
-            <ac:spMk id="2" creationId="{CE3E63B6-9894-FB92-739E-F6D0DFABEDAA}"/>
-          </ac:spMkLst>
-        </pc:spChg>
-        <pc:spChg chg="mod">
-          <ac:chgData name="JD Kilgallin" userId="e8d7d97525d46f8a" providerId="Windows Live" clId="Web-{E1FFCA9D-0ABE-4E01-99CE-A99218C512E8}" dt="2022-08-19T00:35:17.810" v="28" actId="20577"/>
-          <ac:spMkLst>
-            <pc:docMk/>
-            <pc:sldMk cId="3603234828" sldId="265"/>
-            <ac:spMk id="3" creationId="{99AE9084-DB9C-A629-08C9-EA5E63DD0C86}"/>
-          </ac:spMkLst>
-        </pc:spChg>
-      </pc:sldChg>
-      <pc:sldChg chg="del">
-        <pc:chgData name="JD Kilgallin" userId="e8d7d97525d46f8a" providerId="Windows Live" clId="Web-{E1FFCA9D-0ABE-4E01-99CE-A99218C512E8}" dt="2022-08-19T00:43:04.050" v="100"/>
-        <pc:sldMkLst>
-          <pc:docMk/>
-          <pc:sldMk cId="349599714" sldId="273"/>
-        </pc:sldMkLst>
-      </pc:sldChg>
-      <pc:sldChg chg="modSp">
-        <pc:chgData name="JD Kilgallin" userId="e8d7d97525d46f8a" providerId="Windows Live" clId="Web-{E1FFCA9D-0ABE-4E01-99CE-A99218C512E8}" dt="2022-08-19T00:42:50.628" v="99" actId="20577"/>
-        <pc:sldMkLst>
-          <pc:docMk/>
-          <pc:sldMk cId="4169031996" sldId="275"/>
-        </pc:sldMkLst>
-        <pc:spChg chg="mod">
-          <ac:chgData name="JD Kilgallin" userId="e8d7d97525d46f8a" providerId="Windows Live" clId="Web-{E1FFCA9D-0ABE-4E01-99CE-A99218C512E8}" dt="2022-08-19T00:42:50.628" v="99" actId="20577"/>
-          <ac:spMkLst>
-            <pc:docMk/>
-            <pc:sldMk cId="4169031996" sldId="275"/>
-            <ac:spMk id="3" creationId="{F91A0755-D87B-B8A9-F627-AFF566A9A7BF}"/>
-          </ac:spMkLst>
-        </pc:spChg>
-      </pc:sldChg>
-      <pc:sldChg chg="modSp">
-        <pc:chgData name="JD Kilgallin" userId="e8d7d97525d46f8a" providerId="Windows Live" clId="Web-{E1FFCA9D-0ABE-4E01-99CE-A99218C512E8}" dt="2022-08-19T00:40:35.220" v="80" actId="14100"/>
-        <pc:sldMkLst>
-          <pc:docMk/>
-          <pc:sldMk cId="3096167324" sldId="276"/>
-        </pc:sldMkLst>
-        <pc:spChg chg="mod">
-          <ac:chgData name="JD Kilgallin" userId="e8d7d97525d46f8a" providerId="Windows Live" clId="Web-{E1FFCA9D-0ABE-4E01-99CE-A99218C512E8}" dt="2022-08-19T00:40:35.220" v="80" actId="14100"/>
-          <ac:spMkLst>
-            <pc:docMk/>
-            <pc:sldMk cId="3096167324" sldId="276"/>
-            <ac:spMk id="3" creationId="{3A41149E-633F-DF85-6337-A619D3CCB866}"/>
-          </ac:spMkLst>
-        </pc:spChg>
-      </pc:sldChg>
-    </pc:docChg>
-  </pc:docChgLst>
-  <pc:docChgLst>
-    <pc:chgData name="JD Kilgallin" userId="e8d7d97525d46f8a" providerId="Windows Live" clId="Web-{627CD593-F697-4216-A4AD-F332B1B3CFBB}"/>
-    <pc:docChg chg="modSld">
-      <pc:chgData name="JD Kilgallin" userId="e8d7d97525d46f8a" providerId="Windows Live" clId="Web-{627CD593-F697-4216-A4AD-F332B1B3CFBB}" dt="2022-08-22T14:05:43.688" v="93" actId="20577"/>
-      <pc:docMkLst>
-        <pc:docMk/>
-      </pc:docMkLst>
-      <pc:sldChg chg="modSp">
-        <pc:chgData name="JD Kilgallin" userId="e8d7d97525d46f8a" providerId="Windows Live" clId="Web-{627CD593-F697-4216-A4AD-F332B1B3CFBB}" dt="2022-08-22T13:54:46.830" v="7" actId="20577"/>
-        <pc:sldMkLst>
-          <pc:docMk/>
-          <pc:sldMk cId="2476474234" sldId="268"/>
-        </pc:sldMkLst>
-        <pc:spChg chg="mod">
-          <ac:chgData name="JD Kilgallin" userId="e8d7d97525d46f8a" providerId="Windows Live" clId="Web-{627CD593-F697-4216-A4AD-F332B1B3CFBB}" dt="2022-08-22T13:54:46.830" v="7" actId="20577"/>
-          <ac:spMkLst>
-            <pc:docMk/>
-            <pc:sldMk cId="2476474234" sldId="268"/>
-            <ac:spMk id="3" creationId="{E11A6A22-1A45-5B71-A920-2E6E9C7D0482}"/>
-          </ac:spMkLst>
-        </pc:spChg>
-      </pc:sldChg>
-      <pc:sldChg chg="modSp">
-        <pc:chgData name="JD Kilgallin" userId="e8d7d97525d46f8a" providerId="Windows Live" clId="Web-{627CD593-F697-4216-A4AD-F332B1B3CFBB}" dt="2022-08-22T13:57:30.299" v="14" actId="20577"/>
-        <pc:sldMkLst>
-          <pc:docMk/>
-          <pc:sldMk cId="1756108763" sldId="270"/>
-        </pc:sldMkLst>
-        <pc:spChg chg="mod">
-          <ac:chgData name="JD Kilgallin" userId="e8d7d97525d46f8a" providerId="Windows Live" clId="Web-{627CD593-F697-4216-A4AD-F332B1B3CFBB}" dt="2022-08-22T13:57:30.299" v="14" actId="20577"/>
-          <ac:spMkLst>
-            <pc:docMk/>
-            <pc:sldMk cId="1756108763" sldId="270"/>
-            <ac:spMk id="3" creationId="{A73FFA34-83C0-7225-43B4-5EE755C8EC74}"/>
-          </ac:spMkLst>
-        </pc:spChg>
-      </pc:sldChg>
-      <pc:sldChg chg="modSp">
-        <pc:chgData name="JD Kilgallin" userId="e8d7d97525d46f8a" providerId="Windows Live" clId="Web-{627CD593-F697-4216-A4AD-F332B1B3CFBB}" dt="2022-08-22T14:05:11.735" v="65" actId="20577"/>
-        <pc:sldMkLst>
-          <pc:docMk/>
-          <pc:sldMk cId="1125582031" sldId="274"/>
-        </pc:sldMkLst>
-        <pc:spChg chg="mod">
-          <ac:chgData name="JD Kilgallin" userId="e8d7d97525d46f8a" providerId="Windows Live" clId="Web-{627CD593-F697-4216-A4AD-F332B1B3CFBB}" dt="2022-08-22T14:05:11.735" v="65" actId="20577"/>
-          <ac:spMkLst>
-            <pc:docMk/>
-            <pc:sldMk cId="1125582031" sldId="274"/>
-            <ac:spMk id="3" creationId="{44A91076-C9E5-635A-2957-BEF6ABA2D06E}"/>
-          </ac:spMkLst>
-        </pc:spChg>
-      </pc:sldChg>
-      <pc:sldChg chg="modSp">
-        <pc:chgData name="JD Kilgallin" userId="e8d7d97525d46f8a" providerId="Windows Live" clId="Web-{627CD593-F697-4216-A4AD-F332B1B3CFBB}" dt="2022-08-22T14:05:43.688" v="93" actId="20577"/>
-        <pc:sldMkLst>
-          <pc:docMk/>
-          <pc:sldMk cId="2569942149" sldId="277"/>
-        </pc:sldMkLst>
-        <pc:spChg chg="mod">
-          <ac:chgData name="JD Kilgallin" userId="e8d7d97525d46f8a" providerId="Windows Live" clId="Web-{627CD593-F697-4216-A4AD-F332B1B3CFBB}" dt="2022-08-22T14:05:43.688" v="93" actId="20577"/>
-          <ac:spMkLst>
-            <pc:docMk/>
-            <pc:sldMk cId="2569942149" sldId="277"/>
-            <ac:spMk id="3" creationId="{5C113E58-9072-88C6-C938-43E909EA3E4C}"/>
-          </ac:spMkLst>
-        </pc:spChg>
-      </pc:sldChg>
-    </pc:docChg>
-  </pc:docChgLst>
-  <pc:docChgLst>
-    <pc:chgData name="JD Kilgallin" userId="e8d7d97525d46f8a" providerId="Windows Live" clId="Web-{2580740E-A01C-4757-8AA3-B07B9FA90C12}"/>
-    <pc:docChg chg="addSld modSld">
-      <pc:chgData name="JD Kilgallin" userId="e8d7d97525d46f8a" providerId="Windows Live" clId="Web-{2580740E-A01C-4757-8AA3-B07B9FA90C12}" dt="2022-08-21T18:17:00.445" v="384" actId="20577"/>
-      <pc:docMkLst>
-        <pc:docMk/>
-      </pc:docMkLst>
-      <pc:sldChg chg="modSp">
-        <pc:chgData name="JD Kilgallin" userId="e8d7d97525d46f8a" providerId="Windows Live" clId="Web-{2580740E-A01C-4757-8AA3-B07B9FA90C12}" dt="2022-08-21T17:33:28.122" v="188" actId="20577"/>
-        <pc:sldMkLst>
-          <pc:docMk/>
-          <pc:sldMk cId="1817670063" sldId="266"/>
-        </pc:sldMkLst>
-        <pc:spChg chg="mod">
-          <ac:chgData name="JD Kilgallin" userId="e8d7d97525d46f8a" providerId="Windows Live" clId="Web-{2580740E-A01C-4757-8AA3-B07B9FA90C12}" dt="2022-08-21T17:33:28.122" v="188" actId="20577"/>
-          <ac:spMkLst>
-            <pc:docMk/>
-            <pc:sldMk cId="1817670063" sldId="266"/>
-            <ac:spMk id="3" creationId="{EA1188D3-F3A0-F254-E98B-25A1E3584B64}"/>
-          </ac:spMkLst>
-        </pc:spChg>
-      </pc:sldChg>
-      <pc:sldChg chg="modSp">
-        <pc:chgData name="JD Kilgallin" userId="e8d7d97525d46f8a" providerId="Windows Live" clId="Web-{2580740E-A01C-4757-8AA3-B07B9FA90C12}" dt="2022-08-21T16:07:41.247" v="48" actId="20577"/>
-        <pc:sldMkLst>
-          <pc:docMk/>
-          <pc:sldMk cId="2944492875" sldId="272"/>
-        </pc:sldMkLst>
-        <pc:spChg chg="mod">
-          <ac:chgData name="JD Kilgallin" userId="e8d7d97525d46f8a" providerId="Windows Live" clId="Web-{2580740E-A01C-4757-8AA3-B07B9FA90C12}" dt="2022-08-21T16:07:41.247" v="48" actId="20577"/>
-          <ac:spMkLst>
-            <pc:docMk/>
-            <pc:sldMk cId="2944492875" sldId="272"/>
-            <ac:spMk id="3" creationId="{1D776887-219B-3F8A-A483-15E9117D8C49}"/>
-          </ac:spMkLst>
-        </pc:spChg>
-      </pc:sldChg>
-      <pc:sldChg chg="modSp">
-        <pc:chgData name="JD Kilgallin" userId="e8d7d97525d46f8a" providerId="Windows Live" clId="Web-{2580740E-A01C-4757-8AA3-B07B9FA90C12}" dt="2022-08-21T18:17:00.445" v="384" actId="20577"/>
-        <pc:sldMkLst>
-          <pc:docMk/>
-          <pc:sldMk cId="3096167324" sldId="276"/>
-        </pc:sldMkLst>
-        <pc:spChg chg="mod">
-          <ac:chgData name="JD Kilgallin" userId="e8d7d97525d46f8a" providerId="Windows Live" clId="Web-{2580740E-A01C-4757-8AA3-B07B9FA90C12}" dt="2022-08-21T18:17:00.445" v="384" actId="20577"/>
-          <ac:spMkLst>
-            <pc:docMk/>
-            <pc:sldMk cId="3096167324" sldId="276"/>
-            <ac:spMk id="3" creationId="{3A41149E-633F-DF85-6337-A619D3CCB866}"/>
-          </ac:spMkLst>
-        </pc:spChg>
-      </pc:sldChg>
-      <pc:sldChg chg="modSp new">
-        <pc:chgData name="JD Kilgallin" userId="e8d7d97525d46f8a" providerId="Windows Live" clId="Web-{2580740E-A01C-4757-8AA3-B07B9FA90C12}" dt="2022-08-21T16:10:14.451" v="123" actId="20577"/>
-        <pc:sldMkLst>
-          <pc:docMk/>
-          <pc:sldMk cId="2215536323" sldId="278"/>
-        </pc:sldMkLst>
-        <pc:spChg chg="mod">
-          <ac:chgData name="JD Kilgallin" userId="e8d7d97525d46f8a" providerId="Windows Live" clId="Web-{2580740E-A01C-4757-8AA3-B07B9FA90C12}" dt="2022-08-21T16:07:19.809" v="38" actId="20577"/>
-          <ac:spMkLst>
-            <pc:docMk/>
-            <pc:sldMk cId="2215536323" sldId="278"/>
-            <ac:spMk id="2" creationId="{EB717710-BE25-BAE1-E6B2-E1667C293FE0}"/>
-          </ac:spMkLst>
-        </pc:spChg>
-        <pc:spChg chg="mod">
-          <ac:chgData name="JD Kilgallin" userId="e8d7d97525d46f8a" providerId="Windows Live" clId="Web-{2580740E-A01C-4757-8AA3-B07B9FA90C12}" dt="2022-08-21T16:10:14.451" v="123" actId="20577"/>
-          <ac:spMkLst>
-            <pc:docMk/>
-            <pc:sldMk cId="2215536323" sldId="278"/>
-            <ac:spMk id="3" creationId="{D683AB03-8862-1737-560F-D09AE7210127}"/>
-          </ac:spMkLst>
-        </pc:spChg>
-      </pc:sldChg>
-    </pc:docChg>
-  </pc:docChgLst>
-  <pc:docChgLst>
-    <pc:chgData name="JD Kilgallin" userId="e8d7d97525d46f8a" providerId="Windows Live" clId="Web-{C64F8429-443E-4BC5-A3F1-5AC8E5BB145F}"/>
-    <pc:docChg chg="modSld">
-      <pc:chgData name="JD Kilgallin" userId="e8d7d97525d46f8a" providerId="Windows Live" clId="Web-{C64F8429-443E-4BC5-A3F1-5AC8E5BB145F}" dt="2022-06-29T05:02:25.677" v="9" actId="20577"/>
-      <pc:docMkLst>
-        <pc:docMk/>
-      </pc:docMkLst>
-      <pc:sldChg chg="modSp">
-        <pc:chgData name="JD Kilgallin" userId="e8d7d97525d46f8a" providerId="Windows Live" clId="Web-{C64F8429-443E-4BC5-A3F1-5AC8E5BB145F}" dt="2022-06-29T05:02:25.677" v="9" actId="20577"/>
-        <pc:sldMkLst>
-          <pc:docMk/>
-          <pc:sldMk cId="109857222" sldId="256"/>
-        </pc:sldMkLst>
-        <pc:spChg chg="mod">
-          <ac:chgData name="JD Kilgallin" userId="e8d7d97525d46f8a" providerId="Windows Live" clId="Web-{C64F8429-443E-4BC5-A3F1-5AC8E5BB145F}" dt="2022-06-29T05:02:25.677" v="9" actId="20577"/>
-          <ac:spMkLst>
-            <pc:docMk/>
-            <pc:sldMk cId="109857222" sldId="256"/>
-            <ac:spMk id="3" creationId="{00000000-0000-0000-0000-000000000000}"/>
-          </ac:spMkLst>
-        </pc:spChg>
-      </pc:sldChg>
-    </pc:docChg>
-  </pc:docChgLst>
-  <pc:docChgLst>
-    <pc:chgData name="JD Kilgallin" userId="e8d7d97525d46f8a" providerId="Windows Live" clId="Web-{67DEF145-38C9-4FCC-B336-31A29C54DC1D}"/>
-    <pc:docChg chg="modSld">
-      <pc:chgData name="JD Kilgallin" userId="e8d7d97525d46f8a" providerId="Windows Live" clId="Web-{67DEF145-38C9-4FCC-B336-31A29C54DC1D}" dt="2022-08-22T13:41:06.961" v="72" actId="20577"/>
-      <pc:docMkLst>
-        <pc:docMk/>
-      </pc:docMkLst>
-      <pc:sldChg chg="modSp">
-        <pc:chgData name="JD Kilgallin" userId="e8d7d97525d46f8a" providerId="Windows Live" clId="Web-{67DEF145-38C9-4FCC-B336-31A29C54DC1D}" dt="2022-08-22T13:34:59.035" v="19" actId="20577"/>
-        <pc:sldMkLst>
-          <pc:docMk/>
-          <pc:sldMk cId="2926063405" sldId="258"/>
-        </pc:sldMkLst>
-        <pc:spChg chg="mod">
-          <ac:chgData name="JD Kilgallin" userId="e8d7d97525d46f8a" providerId="Windows Live" clId="Web-{67DEF145-38C9-4FCC-B336-31A29C54DC1D}" dt="2022-08-22T13:34:59.035" v="19" actId="20577"/>
-          <ac:spMkLst>
-            <pc:docMk/>
-            <pc:sldMk cId="2926063405" sldId="258"/>
-            <ac:spMk id="3" creationId="{EE552A32-3A50-8A05-BAA0-A6178905DFA5}"/>
-          </ac:spMkLst>
-        </pc:spChg>
-      </pc:sldChg>
-      <pc:sldChg chg="modSp">
-        <pc:chgData name="JD Kilgallin" userId="e8d7d97525d46f8a" providerId="Windows Live" clId="Web-{67DEF145-38C9-4FCC-B336-31A29C54DC1D}" dt="2022-08-22T13:34:34.534" v="16" actId="20577"/>
-        <pc:sldMkLst>
-          <pc:docMk/>
-          <pc:sldMk cId="2121453350" sldId="259"/>
-        </pc:sldMkLst>
-        <pc:spChg chg="mod">
-          <ac:chgData name="JD Kilgallin" userId="e8d7d97525d46f8a" providerId="Windows Live" clId="Web-{67DEF145-38C9-4FCC-B336-31A29C54DC1D}" dt="2022-08-22T13:34:34.534" v="16" actId="20577"/>
-          <ac:spMkLst>
-            <pc:docMk/>
-            <pc:sldMk cId="2121453350" sldId="259"/>
-            <ac:spMk id="3" creationId="{0F8FDCA6-FE04-102B-4A07-F6CD5C9C5F5E}"/>
-          </ac:spMkLst>
-        </pc:spChg>
-      </pc:sldChg>
-      <pc:sldChg chg="modSp">
-        <pc:chgData name="JD Kilgallin" userId="e8d7d97525d46f8a" providerId="Windows Live" clId="Web-{67DEF145-38C9-4FCC-B336-31A29C54DC1D}" dt="2022-08-22T13:36:38.458" v="23" actId="20577"/>
-        <pc:sldMkLst>
-          <pc:docMk/>
-          <pc:sldMk cId="1957119972" sldId="261"/>
-        </pc:sldMkLst>
-        <pc:spChg chg="mod">
-          <ac:chgData name="JD Kilgallin" userId="e8d7d97525d46f8a" providerId="Windows Live" clId="Web-{67DEF145-38C9-4FCC-B336-31A29C54DC1D}" dt="2022-08-22T13:36:38.458" v="23" actId="20577"/>
-          <ac:spMkLst>
-            <pc:docMk/>
-            <pc:sldMk cId="1957119972" sldId="261"/>
-            <ac:spMk id="2" creationId="{78F61ECF-8A5C-963C-93A6-C2630332B667}"/>
-          </ac:spMkLst>
-        </pc:spChg>
-      </pc:sldChg>
-      <pc:sldChg chg="modSp">
-        <pc:chgData name="JD Kilgallin" userId="e8d7d97525d46f8a" providerId="Windows Live" clId="Web-{67DEF145-38C9-4FCC-B336-31A29C54DC1D}" dt="2022-08-22T13:37:07.583" v="28" actId="20577"/>
-        <pc:sldMkLst>
-          <pc:docMk/>
-          <pc:sldMk cId="4093243686" sldId="262"/>
-        </pc:sldMkLst>
-        <pc:spChg chg="mod">
-          <ac:chgData name="JD Kilgallin" userId="e8d7d97525d46f8a" providerId="Windows Live" clId="Web-{67DEF145-38C9-4FCC-B336-31A29C54DC1D}" dt="2022-08-22T13:37:07.583" v="28" actId="20577"/>
-          <ac:spMkLst>
-            <pc:docMk/>
-            <pc:sldMk cId="4093243686" sldId="262"/>
-            <ac:spMk id="3" creationId="{61291957-5241-7497-DB2C-47BF542CD063}"/>
-          </ac:spMkLst>
-        </pc:spChg>
-      </pc:sldChg>
-      <pc:sldChg chg="modSp">
-        <pc:chgData name="JD Kilgallin" userId="e8d7d97525d46f8a" providerId="Windows Live" clId="Web-{67DEF145-38C9-4FCC-B336-31A29C54DC1D}" dt="2022-08-22T13:38:31.850" v="41" actId="20577"/>
-        <pc:sldMkLst>
-          <pc:docMk/>
-          <pc:sldMk cId="776020763" sldId="264"/>
-        </pc:sldMkLst>
-        <pc:spChg chg="mod">
-          <ac:chgData name="JD Kilgallin" userId="e8d7d97525d46f8a" providerId="Windows Live" clId="Web-{67DEF145-38C9-4FCC-B336-31A29C54DC1D}" dt="2022-08-22T13:38:31.850" v="41" actId="20577"/>
-          <ac:spMkLst>
-            <pc:docMk/>
-            <pc:sldMk cId="776020763" sldId="264"/>
-            <ac:spMk id="3" creationId="{A85199CE-22EF-E244-2FC2-5705EA9FD3D9}"/>
-          </ac:spMkLst>
-        </pc:spChg>
-      </pc:sldChg>
-      <pc:sldChg chg="modSp">
-        <pc:chgData name="JD Kilgallin" userId="e8d7d97525d46f8a" providerId="Windows Live" clId="Web-{67DEF145-38C9-4FCC-B336-31A29C54DC1D}" dt="2022-08-22T13:39:06.382" v="47" actId="20577"/>
-        <pc:sldMkLst>
-          <pc:docMk/>
-          <pc:sldMk cId="3603234828" sldId="265"/>
-        </pc:sldMkLst>
-        <pc:spChg chg="mod">
-          <ac:chgData name="JD Kilgallin" userId="e8d7d97525d46f8a" providerId="Windows Live" clId="Web-{67DEF145-38C9-4FCC-B336-31A29C54DC1D}" dt="2022-08-22T13:39:06.382" v="47" actId="20577"/>
-          <ac:spMkLst>
-            <pc:docMk/>
-            <pc:sldMk cId="3603234828" sldId="265"/>
-            <ac:spMk id="3" creationId="{99AE9084-DB9C-A629-08C9-EA5E63DD0C86}"/>
-          </ac:spMkLst>
-        </pc:spChg>
-      </pc:sldChg>
-      <pc:sldChg chg="modSp">
-        <pc:chgData name="JD Kilgallin" userId="e8d7d97525d46f8a" providerId="Windows Live" clId="Web-{67DEF145-38C9-4FCC-B336-31A29C54DC1D}" dt="2022-08-22T13:39:40.429" v="50" actId="20577"/>
-        <pc:sldMkLst>
-          <pc:docMk/>
-          <pc:sldMk cId="1817670063" sldId="266"/>
-        </pc:sldMkLst>
-        <pc:spChg chg="mod">
-          <ac:chgData name="JD Kilgallin" userId="e8d7d97525d46f8a" providerId="Windows Live" clId="Web-{67DEF145-38C9-4FCC-B336-31A29C54DC1D}" dt="2022-08-22T13:39:40.429" v="50" actId="20577"/>
-          <ac:spMkLst>
-            <pc:docMk/>
-            <pc:sldMk cId="1817670063" sldId="266"/>
-            <ac:spMk id="3" creationId="{EA1188D3-F3A0-F254-E98B-25A1E3584B64}"/>
-          </ac:spMkLst>
-        </pc:spChg>
-      </pc:sldChg>
-      <pc:sldChg chg="modSp">
-        <pc:chgData name="JD Kilgallin" userId="e8d7d97525d46f8a" providerId="Windows Live" clId="Web-{67DEF145-38C9-4FCC-B336-31A29C54DC1D}" dt="2022-08-22T13:40:17.664" v="57" actId="20577"/>
-        <pc:sldMkLst>
-          <pc:docMk/>
-          <pc:sldMk cId="2718096022" sldId="267"/>
-        </pc:sldMkLst>
-        <pc:spChg chg="mod">
-          <ac:chgData name="JD Kilgallin" userId="e8d7d97525d46f8a" providerId="Windows Live" clId="Web-{67DEF145-38C9-4FCC-B336-31A29C54DC1D}" dt="2022-08-22T13:39:56.757" v="54" actId="20577"/>
-          <ac:spMkLst>
-            <pc:docMk/>
-            <pc:sldMk cId="2718096022" sldId="267"/>
-            <ac:spMk id="2" creationId="{1C3B438B-E90A-D083-5D6F-9CA63ABAA6A8}"/>
-          </ac:spMkLst>
-        </pc:spChg>
-        <pc:spChg chg="mod">
-          <ac:chgData name="JD Kilgallin" userId="e8d7d97525d46f8a" providerId="Windows Live" clId="Web-{67DEF145-38C9-4FCC-B336-31A29C54DC1D}" dt="2022-08-22T13:40:17.664" v="57" actId="20577"/>
-          <ac:spMkLst>
-            <pc:docMk/>
-            <pc:sldMk cId="2718096022" sldId="267"/>
-            <ac:spMk id="3" creationId="{655CF555-E73E-1F98-4126-5A456008C481}"/>
-          </ac:spMkLst>
-        </pc:spChg>
-      </pc:sldChg>
-      <pc:sldChg chg="modSp">
-        <pc:chgData name="JD Kilgallin" userId="e8d7d97525d46f8a" providerId="Windows Live" clId="Web-{67DEF145-38C9-4FCC-B336-31A29C54DC1D}" dt="2022-08-22T13:41:06.961" v="72" actId="20577"/>
-        <pc:sldMkLst>
-          <pc:docMk/>
-          <pc:sldMk cId="3096167324" sldId="276"/>
-        </pc:sldMkLst>
-        <pc:spChg chg="mod">
-          <ac:chgData name="JD Kilgallin" userId="e8d7d97525d46f8a" providerId="Windows Live" clId="Web-{67DEF145-38C9-4FCC-B336-31A29C54DC1D}" dt="2022-08-22T13:41:06.961" v="72" actId="20577"/>
-          <ac:spMkLst>
-            <pc:docMk/>
-            <pc:sldMk cId="3096167324" sldId="276"/>
-            <ac:spMk id="3" creationId="{3A41149E-633F-DF85-6337-A619D3CCB866}"/>
-          </ac:spMkLst>
-        </pc:spChg>
-      </pc:sldChg>
-    </pc:docChg>
-  </pc:docChgLst>
-  <pc:docChgLst>
-    <pc:chgData name="JD Kilgallin" userId="e8d7d97525d46f8a" providerId="Windows Live" clId="Web-{8644706C-15E5-4AE9-BF86-0589D34712D6}"/>
-    <pc:docChg chg="modSld">
-      <pc:chgData name="JD Kilgallin" userId="e8d7d97525d46f8a" providerId="Windows Live" clId="Web-{8644706C-15E5-4AE9-BF86-0589D34712D6}" dt="2022-08-11T19:06:18.745" v="183" actId="20577"/>
-      <pc:docMkLst>
-        <pc:docMk/>
-      </pc:docMkLst>
-      <pc:sldChg chg="modSp">
-        <pc:chgData name="JD Kilgallin" userId="e8d7d97525d46f8a" providerId="Windows Live" clId="Web-{8644706C-15E5-4AE9-BF86-0589D34712D6}" dt="2022-08-07T16:58:58.164" v="1" actId="20577"/>
-        <pc:sldMkLst>
-          <pc:docMk/>
-          <pc:sldMk cId="109857222" sldId="256"/>
-        </pc:sldMkLst>
-        <pc:spChg chg="mod">
-          <ac:chgData name="JD Kilgallin" userId="e8d7d97525d46f8a" providerId="Windows Live" clId="Web-{8644706C-15E5-4AE9-BF86-0589D34712D6}" dt="2022-08-07T16:58:58.164" v="1" actId="20577"/>
-          <ac:spMkLst>
-            <pc:docMk/>
-            <pc:sldMk cId="109857222" sldId="256"/>
-            <ac:spMk id="3" creationId="{00000000-0000-0000-0000-000000000000}"/>
-          </ac:spMkLst>
-        </pc:spChg>
-      </pc:sldChg>
-      <pc:sldChg chg="modSp">
-        <pc:chgData name="JD Kilgallin" userId="e8d7d97525d46f8a" providerId="Windows Live" clId="Web-{8644706C-15E5-4AE9-BF86-0589D34712D6}" dt="2022-08-11T19:06:18.745" v="183" actId="20577"/>
-        <pc:sldMkLst>
-          <pc:docMk/>
-          <pc:sldMk cId="2476474234" sldId="268"/>
-        </pc:sldMkLst>
-        <pc:spChg chg="mod">
-          <ac:chgData name="JD Kilgallin" userId="e8d7d97525d46f8a" providerId="Windows Live" clId="Web-{8644706C-15E5-4AE9-BF86-0589D34712D6}" dt="2022-08-11T19:06:18.745" v="183" actId="20577"/>
-          <ac:spMkLst>
-            <pc:docMk/>
-            <pc:sldMk cId="2476474234" sldId="268"/>
-            <ac:spMk id="3" creationId="{E11A6A22-1A45-5B71-A920-2E6E9C7D0482}"/>
-          </ac:spMkLst>
-        </pc:spChg>
-      </pc:sldChg>
-      <pc:sldChg chg="modSp">
-        <pc:chgData name="JD Kilgallin" userId="e8d7d97525d46f8a" providerId="Windows Live" clId="Web-{8644706C-15E5-4AE9-BF86-0589D34712D6}" dt="2022-08-11T19:03:26.181" v="64" actId="20577"/>
-        <pc:sldMkLst>
-          <pc:docMk/>
-          <pc:sldMk cId="2569942149" sldId="277"/>
-        </pc:sldMkLst>
-        <pc:spChg chg="mod">
-          <ac:chgData name="JD Kilgallin" userId="e8d7d97525d46f8a" providerId="Windows Live" clId="Web-{8644706C-15E5-4AE9-BF86-0589D34712D6}" dt="2022-08-11T19:03:26.181" v="64" actId="20577"/>
-          <ac:spMkLst>
-            <pc:docMk/>
-            <pc:sldMk cId="2569942149" sldId="277"/>
-            <ac:spMk id="3" creationId="{5C113E58-9072-88C6-C938-43E909EA3E4C}"/>
-          </ac:spMkLst>
-        </pc:spChg>
-      </pc:sldChg>
-    </pc:docChg>
-  </pc:docChgLst>
-</pc:chgInfo>
 </file>
 
 <file path=ppt/slideLayouts/slideLayout1.xml><?xml version="1.0" encoding="utf-8"?>
@@ -5578,7 +4025,7 @@
                 <a:ea typeface="+mn-lt"/>
                 <a:cs typeface="+mn-lt"/>
               </a:rPr>
-              <a:t>Email: jdk72@zips.uakron.edu</a:t>
+              <a:t>Email: jdk72@uakron.edu, jd.kilgallin@keyfactor.com</a:t>
             </a:r>
           </a:p>
           <a:p>
@@ -6452,7 +4899,7 @@
           <a:p>
             <a:r>
               <a:rPr lang="en-US" dirty="0">
-                <a:ea typeface="Calibri"/>
+                <a:ea typeface="Calibri" panose="020F0502020204030204"/>
                 <a:cs typeface="Calibri"/>
               </a:rPr>
               <a:t>Slide calibration check</a:t>
@@ -6461,7 +4908,7 @@
           <a:p>
             <a:r>
               <a:rPr lang="en-US" dirty="0">
-                <a:ea typeface="Calibri"/>
+                <a:ea typeface="Calibri" panose="020F0502020204030204"/>
                 <a:cs typeface="Calibri"/>
               </a:rPr>
               <a:t>Hobbies (for tailoring examples used)</a:t>

--- a/lectures/01-Intro.pptx
+++ b/lectures/01-Intro.pptx
@@ -143,7 +143,7 @@
     <p1510:client id="{67DEF145-38C9-4FCC-B336-31A29C54DC1D}" v="73" dt="2022-08-22T13:41:06.961"/>
     <p1510:client id="{8644706C-15E5-4AE9-BF86-0589D34712D6}" v="179" dt="2022-08-11T19:06:18.745"/>
     <p1510:client id="{98970ECB-6E1A-4511-AC1B-A61F29E989CF}" v="3412" dt="2022-06-29T04:56:45.671"/>
-    <p1510:client id="{9DBD1AC1-3CA2-4FE5-B43F-A653B7D89662}" v="17" dt="2022-08-22T21:55:29.888"/>
+    <p1510:client id="{9DBD1AC1-3CA2-4FE5-B43F-A653B7D89662}" v="23" dt="2022-08-24T00:58:55.012"/>
     <p1510:client id="{C64F8429-443E-4BC5-A3F1-5AC8E5BB145F}" v="11" dt="2022-06-29T05:02:26.005"/>
     <p1510:client id="{E1FFCA9D-0ABE-4E01-99CE-A99218C512E8}" v="96" dt="2022-08-19T00:43:04.050"/>
     <p1510:client id="{E3117403-4333-40F8-ADB5-ABEB50A9F87E}" v="43" dt="2022-06-30T18:41:44.117"/>
@@ -282,7 +282,7 @@
           <a:p>
             <a:fld id="{846CE7D5-CF57-46EF-B807-FDD0502418D4}" type="datetimeFigureOut">
               <a:rPr lang="en-US" smtClean="0"/>
-              <a:t>8/22/2022</a:t>
+              <a:t>8/23/2022</a:t>
             </a:fld>
             <a:endParaRPr lang="en-US"/>
           </a:p>
@@ -452,7 +452,7 @@
           <a:p>
             <a:fld id="{846CE7D5-CF57-46EF-B807-FDD0502418D4}" type="datetimeFigureOut">
               <a:rPr lang="en-US" smtClean="0"/>
-              <a:t>8/22/2022</a:t>
+              <a:t>8/23/2022</a:t>
             </a:fld>
             <a:endParaRPr lang="en-US"/>
           </a:p>
@@ -632,7 +632,7 @@
           <a:p>
             <a:fld id="{846CE7D5-CF57-46EF-B807-FDD0502418D4}" type="datetimeFigureOut">
               <a:rPr lang="en-US" smtClean="0"/>
-              <a:t>8/22/2022</a:t>
+              <a:t>8/23/2022</a:t>
             </a:fld>
             <a:endParaRPr lang="en-US"/>
           </a:p>
@@ -802,7 +802,7 @@
           <a:p>
             <a:fld id="{846CE7D5-CF57-46EF-B807-FDD0502418D4}" type="datetimeFigureOut">
               <a:rPr lang="en-US" smtClean="0"/>
-              <a:t>8/22/2022</a:t>
+              <a:t>8/23/2022</a:t>
             </a:fld>
             <a:endParaRPr lang="en-US"/>
           </a:p>
@@ -1048,7 +1048,7 @@
           <a:p>
             <a:fld id="{846CE7D5-CF57-46EF-B807-FDD0502418D4}" type="datetimeFigureOut">
               <a:rPr lang="en-US" smtClean="0"/>
-              <a:t>8/22/2022</a:t>
+              <a:t>8/23/2022</a:t>
             </a:fld>
             <a:endParaRPr lang="en-US"/>
           </a:p>
@@ -1280,7 +1280,7 @@
           <a:p>
             <a:fld id="{846CE7D5-CF57-46EF-B807-FDD0502418D4}" type="datetimeFigureOut">
               <a:rPr lang="en-US" smtClean="0"/>
-              <a:t>8/22/2022</a:t>
+              <a:t>8/23/2022</a:t>
             </a:fld>
             <a:endParaRPr lang="en-US"/>
           </a:p>
@@ -1647,7 +1647,7 @@
           <a:p>
             <a:fld id="{846CE7D5-CF57-46EF-B807-FDD0502418D4}" type="datetimeFigureOut">
               <a:rPr lang="en-US" smtClean="0"/>
-              <a:t>8/22/2022</a:t>
+              <a:t>8/23/2022</a:t>
             </a:fld>
             <a:endParaRPr lang="en-US"/>
           </a:p>
@@ -1765,7 +1765,7 @@
           <a:p>
             <a:fld id="{846CE7D5-CF57-46EF-B807-FDD0502418D4}" type="datetimeFigureOut">
               <a:rPr lang="en-US" smtClean="0"/>
-              <a:t>8/22/2022</a:t>
+              <a:t>8/23/2022</a:t>
             </a:fld>
             <a:endParaRPr lang="en-US"/>
           </a:p>
@@ -1860,7 +1860,7 @@
           <a:p>
             <a:fld id="{846CE7D5-CF57-46EF-B807-FDD0502418D4}" type="datetimeFigureOut">
               <a:rPr lang="en-US" smtClean="0"/>
-              <a:t>8/22/2022</a:t>
+              <a:t>8/23/2022</a:t>
             </a:fld>
             <a:endParaRPr lang="en-US"/>
           </a:p>
@@ -2137,7 +2137,7 @@
           <a:p>
             <a:fld id="{846CE7D5-CF57-46EF-B807-FDD0502418D4}" type="datetimeFigureOut">
               <a:rPr lang="en-US" smtClean="0"/>
-              <a:t>8/22/2022</a:t>
+              <a:t>8/23/2022</a:t>
             </a:fld>
             <a:endParaRPr lang="en-US"/>
           </a:p>
@@ -2394,7 +2394,7 @@
           <a:p>
             <a:fld id="{846CE7D5-CF57-46EF-B807-FDD0502418D4}" type="datetimeFigureOut">
               <a:rPr lang="en-US" smtClean="0"/>
-              <a:t>8/22/2022</a:t>
+              <a:t>8/23/2022</a:t>
             </a:fld>
             <a:endParaRPr lang="en-US"/>
           </a:p>
@@ -2607,7 +2607,7 @@
           <a:p>
             <a:fld id="{846CE7D5-CF57-46EF-B807-FDD0502418D4}" type="datetimeFigureOut">
               <a:rPr lang="en-US" smtClean="0"/>
-              <a:t>8/22/2022</a:t>
+              <a:t>8/23/2022</a:t>
             </a:fld>
             <a:endParaRPr lang="en-US"/>
           </a:p>
@@ -3096,7 +3096,7 @@
                 <a:ea typeface="Tahoma"/>
                 <a:cs typeface="Tahoma"/>
               </a:rPr>
-              <a:t>jdk72@zips.uakron.edu</a:t>
+              <a:t>jdk72@uakron.edu</a:t>
             </a:r>
             <a:endParaRPr lang="en-US" dirty="0">
               <a:ea typeface="+mn-lt"/>
